--- a/curriculum/Unit1/Unit 1 Slides.pptx
+++ b/curriculum/Unit1/Unit 1 Slides.pptx
@@ -8371,18 +8371,28 @@
 </file>
 
 <file path=customXml/item3.xml><?xml version="1.0" encoding="utf-8"?>
-<ct:contentTypeSchema xmlns:ct="http://schemas.microsoft.com/office/2006/metadata/contentType" xmlns:ma="http://schemas.microsoft.com/office/2006/metadata/properties/metaAttributes" ct:_="" ma:_="" ma:contentTypeName="Document" ma:contentTypeID="0x010100BABADD3A0624AA4E97287821B8F4D7D6" ma:contentTypeVersion="3" ma:contentTypeDescription="Create a new document." ma:contentTypeScope="" ma:versionID="e0073545f5cddffb46c9fa8d01738dd8">
-  <xsd:schema xmlns:xsd="http://www.w3.org/2001/XMLSchema" xmlns:xs="http://www.w3.org/2001/XMLSchema" xmlns:p="http://schemas.microsoft.com/office/2006/metadata/properties" xmlns:ns2="5edd459b-714d-42ed-b78f-512da7d1c14e" targetNamespace="http://schemas.microsoft.com/office/2006/metadata/properties" ma:root="true" ma:fieldsID="5b223eadad92f795ae696ccb91d8f218" ns2:_="">
-    <xsd:import namespace="5edd459b-714d-42ed-b78f-512da7d1c14e"/>
+<ct:contentTypeSchema xmlns:ct="http://schemas.microsoft.com/office/2006/metadata/contentType" xmlns:ma="http://schemas.microsoft.com/office/2006/metadata/properties/metaAttributes" ct:_="" ma:_="" ma:contentTypeName="Document" ma:contentTypeID="0x01010011E83E049C87AC4AB56F27089B4ACA55" ma:contentTypeVersion="12" ma:contentTypeDescription="Create a new document." ma:contentTypeScope="" ma:versionID="1178fe99ddca204d3fc8224f4ed0acf8">
+  <xsd:schema xmlns:xsd="http://www.w3.org/2001/XMLSchema" xmlns:xs="http://www.w3.org/2001/XMLSchema" xmlns:p="http://schemas.microsoft.com/office/2006/metadata/properties" xmlns:ns2="be898649-fe57-4b08-9fd4-31fc752880e3" xmlns:ns3="6f430b7c-f2e9-4385-9cb2-4dd06cc2317e" targetNamespace="http://schemas.microsoft.com/office/2006/metadata/properties" ma:root="true" ma:fieldsID="05a700af6660b82c6e85ae510b7169e9" ns2:_="" ns3:_="">
+    <xsd:import namespace="be898649-fe57-4b08-9fd4-31fc752880e3"/>
+    <xsd:import namespace="6f430b7c-f2e9-4385-9cb2-4dd06cc2317e"/>
     <xsd:element name="properties">
       <xsd:complexType>
         <xsd:sequence>
           <xsd:element name="documentManagement">
             <xsd:complexType>
               <xsd:all>
-                <xsd:element ref="ns2:SharedWithUsers" minOccurs="0"/>
-                <xsd:element ref="ns2:SharedWithDetails" minOccurs="0"/>
-                <xsd:element ref="ns2:SharingHintHash" minOccurs="0"/>
+                <xsd:element ref="ns2:MediaServiceMetadata" minOccurs="0"/>
+                <xsd:element ref="ns2:MediaServiceFastMetadata" minOccurs="0"/>
+                <xsd:element ref="ns2:MediaServiceAutoTags" minOccurs="0"/>
+                <xsd:element ref="ns2:MediaServiceDateTaken" minOccurs="0"/>
+                <xsd:element ref="ns3:SharedWithUsers" minOccurs="0"/>
+                <xsd:element ref="ns3:SharedWithDetails" minOccurs="0"/>
+                <xsd:element ref="ns2:MediaServiceLocation" minOccurs="0"/>
+                <xsd:element ref="ns2:MediaServiceOCR" minOccurs="0"/>
+                <xsd:element ref="ns2:MediaServiceEventHashCode" minOccurs="0"/>
+                <xsd:element ref="ns2:MediaServiceGenerationTime" minOccurs="0"/>
+                <xsd:element ref="ns2:MediaServiceAutoKeyPoints" minOccurs="0"/>
+                <xsd:element ref="ns2:MediaServiceKeyPoints" minOccurs="0"/>
               </xsd:all>
             </xsd:complexType>
           </xsd:element>
@@ -8390,10 +8400,68 @@
       </xsd:complexType>
     </xsd:element>
   </xsd:schema>
-  <xsd:schema xmlns:xsd="http://www.w3.org/2001/XMLSchema" xmlns:xs="http://www.w3.org/2001/XMLSchema" xmlns:dms="http://schemas.microsoft.com/office/2006/documentManagement/types" xmlns:pc="http://schemas.microsoft.com/office/infopath/2007/PartnerControls" targetNamespace="5edd459b-714d-42ed-b78f-512da7d1c14e" elementFormDefault="qualified">
+  <xsd:schema xmlns:xsd="http://www.w3.org/2001/XMLSchema" xmlns:xs="http://www.w3.org/2001/XMLSchema" xmlns:dms="http://schemas.microsoft.com/office/2006/documentManagement/types" xmlns:pc="http://schemas.microsoft.com/office/infopath/2007/PartnerControls" targetNamespace="be898649-fe57-4b08-9fd4-31fc752880e3" elementFormDefault="qualified">
     <xsd:import namespace="http://schemas.microsoft.com/office/2006/documentManagement/types"/>
     <xsd:import namespace="http://schemas.microsoft.com/office/infopath/2007/PartnerControls"/>
-    <xsd:element name="SharedWithUsers" ma:index="8" nillable="true" ma:displayName="Shared With" ma:internalName="SharedWithUsers" ma:readOnly="true">
+    <xsd:element name="MediaServiceMetadata" ma:index="8" nillable="true" ma:displayName="MediaServiceMetadata" ma:description="" ma:hidden="true" ma:internalName="MediaServiceMetadata" ma:readOnly="true">
+      <xsd:simpleType>
+        <xsd:restriction base="dms:Note"/>
+      </xsd:simpleType>
+    </xsd:element>
+    <xsd:element name="MediaServiceFastMetadata" ma:index="9" nillable="true" ma:displayName="MediaServiceFastMetadata" ma:description="" ma:hidden="true" ma:internalName="MediaServiceFastMetadata" ma:readOnly="true">
+      <xsd:simpleType>
+        <xsd:restriction base="dms:Note"/>
+      </xsd:simpleType>
+    </xsd:element>
+    <xsd:element name="MediaServiceAutoTags" ma:index="10" nillable="true" ma:displayName="MediaServiceAutoTags" ma:description="" ma:internalName="MediaServiceAutoTags" ma:readOnly="true">
+      <xsd:simpleType>
+        <xsd:restriction base="dms:Text"/>
+      </xsd:simpleType>
+    </xsd:element>
+    <xsd:element name="MediaServiceDateTaken" ma:index="11" nillable="true" ma:displayName="MediaServiceDateTaken" ma:description="" ma:hidden="true" ma:internalName="MediaServiceDateTaken" ma:readOnly="true">
+      <xsd:simpleType>
+        <xsd:restriction base="dms:Text"/>
+      </xsd:simpleType>
+    </xsd:element>
+    <xsd:element name="MediaServiceLocation" ma:index="14" nillable="true" ma:displayName="MediaServiceLocation" ma:internalName="MediaServiceLocation" ma:readOnly="true">
+      <xsd:simpleType>
+        <xsd:restriction base="dms:Text"/>
+      </xsd:simpleType>
+    </xsd:element>
+    <xsd:element name="MediaServiceOCR" ma:index="15" nillable="true" ma:displayName="MediaServiceOCR" ma:internalName="MediaServiceOCR" ma:readOnly="true">
+      <xsd:simpleType>
+        <xsd:restriction base="dms:Note">
+          <xsd:maxLength value="255"/>
+        </xsd:restriction>
+      </xsd:simpleType>
+    </xsd:element>
+    <xsd:element name="MediaServiceEventHashCode" ma:index="16" nillable="true" ma:displayName="MediaServiceEventHashCode" ma:hidden="true" ma:internalName="MediaServiceEventHashCode" ma:readOnly="true">
+      <xsd:simpleType>
+        <xsd:restriction base="dms:Text"/>
+      </xsd:simpleType>
+    </xsd:element>
+    <xsd:element name="MediaServiceGenerationTime" ma:index="17" nillable="true" ma:displayName="MediaServiceGenerationTime" ma:hidden="true" ma:internalName="MediaServiceGenerationTime" ma:readOnly="true">
+      <xsd:simpleType>
+        <xsd:restriction base="dms:Text"/>
+      </xsd:simpleType>
+    </xsd:element>
+    <xsd:element name="MediaServiceAutoKeyPoints" ma:index="18" nillable="true" ma:displayName="MediaServiceAutoKeyPoints" ma:hidden="true" ma:internalName="MediaServiceAutoKeyPoints" ma:readOnly="true">
+      <xsd:simpleType>
+        <xsd:restriction base="dms:Note"/>
+      </xsd:simpleType>
+    </xsd:element>
+    <xsd:element name="MediaServiceKeyPoints" ma:index="19" nillable="true" ma:displayName="KeyPoints" ma:internalName="MediaServiceKeyPoints" ma:readOnly="true">
+      <xsd:simpleType>
+        <xsd:restriction base="dms:Note">
+          <xsd:maxLength value="255"/>
+        </xsd:restriction>
+      </xsd:simpleType>
+    </xsd:element>
+  </xsd:schema>
+  <xsd:schema xmlns:xsd="http://www.w3.org/2001/XMLSchema" xmlns:xs="http://www.w3.org/2001/XMLSchema" xmlns:dms="http://schemas.microsoft.com/office/2006/documentManagement/types" xmlns:pc="http://schemas.microsoft.com/office/infopath/2007/PartnerControls" targetNamespace="6f430b7c-f2e9-4385-9cb2-4dd06cc2317e" elementFormDefault="qualified">
+    <xsd:import namespace="http://schemas.microsoft.com/office/2006/documentManagement/types"/>
+    <xsd:import namespace="http://schemas.microsoft.com/office/infopath/2007/PartnerControls"/>
+    <xsd:element name="SharedWithUsers" ma:index="12" nillable="true" ma:displayName="Shared With" ma:internalName="SharedWithUsers" ma:readOnly="true">
       <xsd:complexType>
         <xsd:complexContent>
           <xsd:extension base="dms:UserMulti">
@@ -8412,16 +8480,11 @@
         </xsd:complexContent>
       </xsd:complexType>
     </xsd:element>
-    <xsd:element name="SharedWithDetails" ma:index="9" nillable="true" ma:displayName="Shared With Details" ma:internalName="SharedWithDetails" ma:readOnly="true">
+    <xsd:element name="SharedWithDetails" ma:index="13" nillable="true" ma:displayName="Shared With Details" ma:internalName="SharedWithDetails" ma:readOnly="true">
       <xsd:simpleType>
         <xsd:restriction base="dms:Note">
           <xsd:maxLength value="255"/>
         </xsd:restriction>
-      </xsd:simpleType>
-    </xsd:element>
-    <xsd:element name="SharingHintHash" ma:index="10" nillable="true" ma:displayName="Sharing Hint Hash" ma:internalName="SharingHintHash" ma:readOnly="true">
-      <xsd:simpleType>
-        <xsd:restriction base="dms:Text"/>
       </xsd:simpleType>
     </xsd:element>
   </xsd:schema>
@@ -8533,5 +8596,5 @@
 </file>
 
 <file path=customXml/itemProps3.xml><?xml version="1.0" encoding="utf-8"?>
-<ds:datastoreItem xmlns:ds="http://schemas.openxmlformats.org/officeDocument/2006/customXml" ds:itemID="{04E7C640-D9DA-4D06-81D0-A30F50F62D71}"/>
+<ds:datastoreItem xmlns:ds="http://schemas.openxmlformats.org/officeDocument/2006/customXml" ds:itemID="{D18627E4-5F75-4458-ABFF-09B94C42E664}"/>
 </file>
--- a/curriculum/Unit1/Unit 1 Slides.pptx
+++ b/curriculum/Unit1/Unit 1 Slides.pptx
@@ -2,31 +2,31 @@
 <file path=ppt/presentation.xml><?xml version="1.0" encoding="utf-8"?>
 <p:presentation xmlns:a="http://schemas.openxmlformats.org/drawingml/2006/main" xmlns:r="http://schemas.openxmlformats.org/officeDocument/2006/relationships" xmlns:p="http://schemas.openxmlformats.org/presentationml/2006/main" saveSubsetFonts="1" autoCompressPictures="0">
   <p:sldMasterIdLst>
-    <p:sldMasterId id="2147483648" r:id="rId1"/>
+    <p:sldMasterId id="2147483648" r:id="rId4"/>
   </p:sldMasterIdLst>
   <p:notesMasterIdLst>
-    <p:notesMasterId r:id="rId18"/>
+    <p:notesMasterId r:id="rId21"/>
   </p:notesMasterIdLst>
   <p:handoutMasterIdLst>
-    <p:handoutMasterId r:id="rId19"/>
+    <p:handoutMasterId r:id="rId22"/>
   </p:handoutMasterIdLst>
   <p:sldIdLst>
-    <p:sldId id="271" r:id="rId2"/>
-    <p:sldId id="278" r:id="rId3"/>
-    <p:sldId id="256" r:id="rId4"/>
-    <p:sldId id="279" r:id="rId5"/>
-    <p:sldId id="276" r:id="rId6"/>
-    <p:sldId id="258" r:id="rId7"/>
-    <p:sldId id="257" r:id="rId8"/>
-    <p:sldId id="260" r:id="rId9"/>
-    <p:sldId id="259" r:id="rId10"/>
-    <p:sldId id="277" r:id="rId11"/>
-    <p:sldId id="274" r:id="rId12"/>
-    <p:sldId id="261" r:id="rId13"/>
-    <p:sldId id="262" r:id="rId14"/>
-    <p:sldId id="275" r:id="rId15"/>
-    <p:sldId id="273" r:id="rId16"/>
-    <p:sldId id="272" r:id="rId17"/>
+    <p:sldId id="271" r:id="rId5"/>
+    <p:sldId id="278" r:id="rId6"/>
+    <p:sldId id="256" r:id="rId7"/>
+    <p:sldId id="279" r:id="rId8"/>
+    <p:sldId id="276" r:id="rId9"/>
+    <p:sldId id="258" r:id="rId10"/>
+    <p:sldId id="257" r:id="rId11"/>
+    <p:sldId id="260" r:id="rId12"/>
+    <p:sldId id="259" r:id="rId13"/>
+    <p:sldId id="277" r:id="rId14"/>
+    <p:sldId id="274" r:id="rId15"/>
+    <p:sldId id="261" r:id="rId16"/>
+    <p:sldId id="262" r:id="rId17"/>
+    <p:sldId id="275" r:id="rId18"/>
+    <p:sldId id="273" r:id="rId19"/>
+    <p:sldId id="272" r:id="rId20"/>
   </p:sldIdLst>
   <p:sldSz cx="9144000" cy="6858000" type="screen4x3"/>
   <p:notesSz cx="6858000" cy="9144000"/>
@@ -125,6 +125,22 @@
       </a:defRPr>
     </a:lvl9pPr>
   </p:defaultTextStyle>
+  <p:extLst>
+    <p:ext uri="{EFAFB233-063F-42B5-8137-9DF3F51BA10A}">
+      <p15:sldGuideLst xmlns:p15="http://schemas.microsoft.com/office/powerpoint/2012/main">
+        <p15:guide id="1" orient="horz" pos="2160">
+          <p15:clr>
+            <a:srgbClr val="A4A3A4"/>
+          </p15:clr>
+        </p15:guide>
+        <p15:guide id="2" pos="2880">
+          <p15:clr>
+            <a:srgbClr val="A4A3A4"/>
+          </p15:clr>
+        </p15:guide>
+      </p15:sldGuideLst>
+    </p:ext>
+  </p:extLst>
 </p:presentation>
 </file>
 
@@ -210,7 +226,7 @@
           <a:p>
             <a:fld id="{6D0754E3-E03E-ED44-9A59-706283C2F2CC}" type="datetimeFigureOut">
               <a:rPr lang="en-US" smtClean="0"/>
-              <a:t>6/17/15</a:t>
+              <a:t>2/18/2020</a:t>
             </a:fld>
             <a:endParaRPr lang="en-US"/>
           </a:p>
@@ -376,7 +392,7 @@
           <a:p>
             <a:fld id="{44996FB4-6AD2-FE4B-B45E-D44A9C110DAF}" type="datetimeFigureOut">
               <a:rPr lang="en-US" smtClean="0"/>
-              <a:t>6/17/15</a:t>
+              <a:t>2/18/2020</a:t>
             </a:fld>
             <a:endParaRPr lang="en-US"/>
           </a:p>
@@ -440,38 +456,37 @@
           <a:p>
             <a:pPr lvl="0"/>
             <a:r>
-              <a:rPr lang="en-US" smtClean="0"/>
+              <a:rPr lang="en-US"/>
               <a:t>Click to edit Master text styles</a:t>
             </a:r>
           </a:p>
           <a:p>
             <a:pPr lvl="1"/>
             <a:r>
-              <a:rPr lang="en-US" smtClean="0"/>
+              <a:rPr lang="en-US"/>
               <a:t>Second level</a:t>
             </a:r>
           </a:p>
           <a:p>
             <a:pPr lvl="2"/>
             <a:r>
-              <a:rPr lang="en-US" smtClean="0"/>
+              <a:rPr lang="en-US"/>
               <a:t>Third level</a:t>
             </a:r>
           </a:p>
           <a:p>
             <a:pPr lvl="3"/>
             <a:r>
-              <a:rPr lang="en-US" smtClean="0"/>
+              <a:rPr lang="en-US"/>
               <a:t>Fourth level</a:t>
             </a:r>
           </a:p>
           <a:p>
             <a:pPr lvl="4"/>
             <a:r>
-              <a:rPr lang="en-US" smtClean="0"/>
+              <a:rPr lang="en-US"/>
               <a:t>Fifth level</a:t>
             </a:r>
-            <a:endParaRPr lang="en-US"/>
           </a:p>
         </p:txBody>
       </p:sp>
@@ -690,16 +705,15 @@
           <a:lstStyle/>
           <a:p>
             <a:r>
-              <a:rPr lang="en-US" dirty="0" smtClean="0"/>
+              <a:rPr lang="en-US" dirty="0"/>
               <a:t>Lesson 1.2</a:t>
             </a:r>
           </a:p>
           <a:p>
             <a:r>
-              <a:rPr lang="en-US" dirty="0" smtClean="0"/>
+              <a:rPr lang="en-US" dirty="0"/>
               <a:t>- “early computers were mostly women”</a:t>
             </a:r>
-            <a:endParaRPr lang="en-US" dirty="0"/>
           </a:p>
         </p:txBody>
       </p:sp>
@@ -784,16 +798,15 @@
           <a:lstStyle/>
           <a:p>
             <a:r>
-              <a:rPr lang="en-US" b="1" dirty="0" smtClean="0"/>
+              <a:rPr lang="en-US" b="1" dirty="0"/>
               <a:t>Lesson 1.4</a:t>
             </a:r>
           </a:p>
           <a:p>
             <a:r>
-              <a:rPr lang="en-US" dirty="0" smtClean="0"/>
+              <a:rPr lang="en-US" dirty="0"/>
               <a:t>- Punch card</a:t>
             </a:r>
-            <a:endParaRPr lang="en-US" dirty="0"/>
           </a:p>
         </p:txBody>
       </p:sp>
@@ -878,17 +891,17 @@
           <a:lstStyle/>
           <a:p>
             <a:r>
-              <a:rPr lang="en-US" b="1" dirty="0" smtClean="0"/>
+              <a:rPr lang="en-US" b="1" dirty="0"/>
               <a:t>Lesson 1.4</a:t>
             </a:r>
           </a:p>
           <a:p>
             <a:r>
-              <a:rPr lang="en-US" b="0" dirty="0" smtClean="0"/>
+              <a:rPr lang="en-US" b="0" dirty="0"/>
               <a:t>-</a:t>
             </a:r>
             <a:r>
-              <a:rPr lang="en-US" b="0" baseline="0" dirty="0" smtClean="0"/>
+              <a:rPr lang="en-US" b="0" baseline="0" dirty="0"/>
               <a:t> A computer with a stack of punch cards</a:t>
             </a:r>
             <a:endParaRPr lang="en-US" b="0" dirty="0"/>
@@ -976,26 +989,26 @@
           <a:lstStyle/>
           <a:p>
             <a:r>
-              <a:rPr lang="en-US" b="1" dirty="0" smtClean="0"/>
+              <a:rPr lang="en-US" b="1" dirty="0"/>
               <a:t>Lesson 1.4</a:t>
             </a:r>
-            <a:endParaRPr lang="en-US" b="0" dirty="0" smtClean="0"/>
-          </a:p>
-          <a:p>
-            <a:r>
-              <a:rPr lang="en-US" b="0" dirty="0" smtClean="0"/>
+            <a:endParaRPr lang="en-US" b="0" dirty="0"/>
+          </a:p>
+          <a:p>
+            <a:r>
+              <a:rPr lang="en-US" b="0" dirty="0"/>
               <a:t>-</a:t>
             </a:r>
             <a:r>
-              <a:rPr lang="en-US" b="0" baseline="0" dirty="0" smtClean="0"/>
+              <a:rPr lang="en-US" b="0" baseline="0" dirty="0"/>
               <a:t> </a:t>
             </a:r>
             <a:r>
-              <a:rPr lang="en-US" b="0" baseline="0" dirty="0" err="1" smtClean="0"/>
+              <a:rPr lang="en-US" b="0" baseline="0" dirty="0" err="1"/>
               <a:t>Jaquard</a:t>
             </a:r>
             <a:r>
-              <a:rPr lang="en-US" b="0" baseline="0" dirty="0" smtClean="0"/>
+              <a:rPr lang="en-US" b="0" baseline="0" dirty="0"/>
               <a:t> loom, the first mechanical device to use punch cards</a:t>
             </a:r>
             <a:endParaRPr lang="en-US" b="1" dirty="0"/>
@@ -1083,17 +1096,17 @@
           <a:lstStyle/>
           <a:p>
             <a:r>
-              <a:rPr lang="en-US" b="1" dirty="0" smtClean="0"/>
+              <a:rPr lang="en-US" b="1" dirty="0"/>
               <a:t>Lesson 1.4</a:t>
             </a:r>
           </a:p>
           <a:p>
             <a:r>
-              <a:rPr lang="en-US" dirty="0" smtClean="0"/>
+              <a:rPr lang="en-US" dirty="0"/>
               <a:t>- A page from the Harvard Mark II electromechanical</a:t>
             </a:r>
             <a:r>
-              <a:rPr lang="en-US" baseline="0" dirty="0" smtClean="0"/>
+              <a:rPr lang="en-US" baseline="0" dirty="0"/>
               <a:t> computer’s log, featuring a dead moth that was removed from the device</a:t>
             </a:r>
             <a:endParaRPr lang="en-US" dirty="0"/>
@@ -1181,14 +1194,14 @@
           <a:lstStyle/>
           <a:p>
             <a:r>
-              <a:rPr lang="en-US" b="1" dirty="0" smtClean="0"/>
+              <a:rPr lang="en-US" b="1" dirty="0"/>
               <a:t>Lesson 1.6</a:t>
             </a:r>
-            <a:endParaRPr lang="en-US" b="0" dirty="0" smtClean="0"/>
-          </a:p>
-          <a:p>
-            <a:r>
-              <a:rPr lang="en-US" b="0" dirty="0" smtClean="0"/>
+            <a:endParaRPr lang="en-US" b="0" dirty="0"/>
+          </a:p>
+          <a:p>
+            <a:r>
+              <a:rPr lang="en-US" b="0" dirty="0"/>
               <a:t>Programming Challenge</a:t>
             </a:r>
             <a:endParaRPr lang="en-US" b="1" dirty="0"/>
@@ -1276,22 +1289,22 @@
           <a:lstStyle/>
           <a:p>
             <a:r>
-              <a:rPr lang="en-US" b="1" dirty="0" smtClean="0"/>
+              <a:rPr lang="en-US" b="1" dirty="0"/>
               <a:t>Lesson 1.6</a:t>
             </a:r>
-            <a:endParaRPr lang="en-US" b="0" dirty="0" smtClean="0"/>
-          </a:p>
-          <a:p>
-            <a:r>
-              <a:rPr lang="en-US" b="0" dirty="0" smtClean="0"/>
+            <a:endParaRPr lang="en-US" b="0" dirty="0"/>
+          </a:p>
+          <a:p>
+            <a:r>
+              <a:rPr lang="en-US" b="0" dirty="0"/>
               <a:t>Programming</a:t>
             </a:r>
             <a:r>
-              <a:rPr lang="en-US" b="0" baseline="0" dirty="0" smtClean="0"/>
+              <a:rPr lang="en-US" b="0" baseline="0" dirty="0"/>
               <a:t> Challenge II (</a:t>
             </a:r>
             <a:r>
-              <a:rPr lang="en-US" b="0" baseline="0" smtClean="0"/>
+              <a:rPr lang="en-US" b="0" baseline="0"/>
               <a:t>target output)</a:t>
             </a:r>
             <a:endParaRPr lang="en-US" b="1" dirty="0"/>
@@ -1372,10 +1385,9 @@
           <a:lstStyle/>
           <a:p>
             <a:r>
-              <a:rPr lang="en-US" smtClean="0"/>
+              <a:rPr lang="en-US"/>
               <a:t>Click to edit Master title style</a:t>
             </a:r>
-            <a:endParaRPr lang="en-US"/>
           </a:p>
         </p:txBody>
       </p:sp>
@@ -1491,10 +1503,9 @@
           </a:lstStyle>
           <a:p>
             <a:r>
-              <a:rPr lang="en-US" smtClean="0"/>
+              <a:rPr lang="en-US"/>
               <a:t>Click to edit Master subtitle style</a:t>
             </a:r>
-            <a:endParaRPr lang="en-US"/>
           </a:p>
         </p:txBody>
       </p:sp>
@@ -1515,7 +1526,7 @@
           <a:p>
             <a:fld id="{34990CC2-A8CC-B149-BA8F-DDB0E524EE45}" type="datetime1">
               <a:rPr lang="en-US" smtClean="0"/>
-              <a:t>6/17/15</a:t>
+              <a:t>2/18/2020</a:t>
             </a:fld>
             <a:endParaRPr lang="en-US"/>
           </a:p>
@@ -1537,10 +1548,9 @@
           <a:lstStyle/>
           <a:p>
             <a:r>
-              <a:rPr lang="en-US" smtClean="0"/>
+              <a:rPr lang="en-US"/>
               <a:t>Developed by TEALS in 2015  www.tealsk12.org</a:t>
             </a:r>
-            <a:endParaRPr lang="en-US"/>
           </a:p>
         </p:txBody>
       </p:sp>
@@ -1613,10 +1623,9 @@
           <a:lstStyle/>
           <a:p>
             <a:r>
-              <a:rPr lang="en-US" smtClean="0"/>
+              <a:rPr lang="en-US"/>
               <a:t>Click to edit Master title style</a:t>
             </a:r>
-            <a:endParaRPr lang="en-US"/>
           </a:p>
         </p:txBody>
       </p:sp>
@@ -1637,38 +1646,37 @@
           <a:p>
             <a:pPr lvl="0"/>
             <a:r>
-              <a:rPr lang="en-US" smtClean="0"/>
+              <a:rPr lang="en-US"/>
               <a:t>Click to edit Master text styles</a:t>
             </a:r>
           </a:p>
           <a:p>
             <a:pPr lvl="1"/>
             <a:r>
-              <a:rPr lang="en-US" smtClean="0"/>
+              <a:rPr lang="en-US"/>
               <a:t>Second level</a:t>
             </a:r>
           </a:p>
           <a:p>
             <a:pPr lvl="2"/>
             <a:r>
-              <a:rPr lang="en-US" smtClean="0"/>
+              <a:rPr lang="en-US"/>
               <a:t>Third level</a:t>
             </a:r>
           </a:p>
           <a:p>
             <a:pPr lvl="3"/>
             <a:r>
-              <a:rPr lang="en-US" smtClean="0"/>
+              <a:rPr lang="en-US"/>
               <a:t>Fourth level</a:t>
             </a:r>
           </a:p>
           <a:p>
             <a:pPr lvl="4"/>
             <a:r>
-              <a:rPr lang="en-US" smtClean="0"/>
+              <a:rPr lang="en-US"/>
               <a:t>Fifth level</a:t>
             </a:r>
-            <a:endParaRPr lang="en-US"/>
           </a:p>
         </p:txBody>
       </p:sp>
@@ -1689,7 +1697,7 @@
           <a:p>
             <a:fld id="{96267D05-F6C2-F64A-9C7F-A94B43164B5C}" type="datetime1">
               <a:rPr lang="en-US" smtClean="0"/>
-              <a:t>6/17/15</a:t>
+              <a:t>2/18/2020</a:t>
             </a:fld>
             <a:endParaRPr lang="en-US"/>
           </a:p>
@@ -1711,10 +1719,9 @@
           <a:lstStyle/>
           <a:p>
             <a:r>
-              <a:rPr lang="en-US" smtClean="0"/>
+              <a:rPr lang="en-US"/>
               <a:t>Developed by TEALS in 2015  www.tealsk12.org</a:t>
             </a:r>
-            <a:endParaRPr lang="en-US"/>
           </a:p>
         </p:txBody>
       </p:sp>
@@ -1792,10 +1799,9 @@
           <a:lstStyle/>
           <a:p>
             <a:r>
-              <a:rPr lang="en-US" smtClean="0"/>
+              <a:rPr lang="en-US"/>
               <a:t>Click to edit Master title style</a:t>
             </a:r>
-            <a:endParaRPr lang="en-US"/>
           </a:p>
         </p:txBody>
       </p:sp>
@@ -1821,38 +1827,37 @@
           <a:p>
             <a:pPr lvl="0"/>
             <a:r>
-              <a:rPr lang="en-US" smtClean="0"/>
+              <a:rPr lang="en-US"/>
               <a:t>Click to edit Master text styles</a:t>
             </a:r>
           </a:p>
           <a:p>
             <a:pPr lvl="1"/>
             <a:r>
-              <a:rPr lang="en-US" smtClean="0"/>
+              <a:rPr lang="en-US"/>
               <a:t>Second level</a:t>
             </a:r>
           </a:p>
           <a:p>
             <a:pPr lvl="2"/>
             <a:r>
-              <a:rPr lang="en-US" smtClean="0"/>
+              <a:rPr lang="en-US"/>
               <a:t>Third level</a:t>
             </a:r>
           </a:p>
           <a:p>
             <a:pPr lvl="3"/>
             <a:r>
-              <a:rPr lang="en-US" smtClean="0"/>
+              <a:rPr lang="en-US"/>
               <a:t>Fourth level</a:t>
             </a:r>
           </a:p>
           <a:p>
             <a:pPr lvl="4"/>
             <a:r>
-              <a:rPr lang="en-US" smtClean="0"/>
+              <a:rPr lang="en-US"/>
               <a:t>Fifth level</a:t>
             </a:r>
-            <a:endParaRPr lang="en-US"/>
           </a:p>
         </p:txBody>
       </p:sp>
@@ -1873,7 +1878,7 @@
           <a:p>
             <a:fld id="{087C1978-9D0A-A345-9E84-F995A3601C8E}" type="datetime1">
               <a:rPr lang="en-US" smtClean="0"/>
-              <a:t>6/17/15</a:t>
+              <a:t>2/18/2020</a:t>
             </a:fld>
             <a:endParaRPr lang="en-US"/>
           </a:p>
@@ -1895,10 +1900,9 @@
           <a:lstStyle/>
           <a:p>
             <a:r>
-              <a:rPr lang="en-US" smtClean="0"/>
+              <a:rPr lang="en-US"/>
               <a:t>Developed by TEALS in 2015  www.tealsk12.org</a:t>
             </a:r>
-            <a:endParaRPr lang="en-US"/>
           </a:p>
         </p:txBody>
       </p:sp>
@@ -1971,10 +1975,9 @@
           <a:lstStyle/>
           <a:p>
             <a:r>
-              <a:rPr lang="en-US" smtClean="0"/>
+              <a:rPr lang="en-US"/>
               <a:t>Click to edit Master title style</a:t>
             </a:r>
-            <a:endParaRPr lang="en-US"/>
           </a:p>
         </p:txBody>
       </p:sp>
@@ -1995,38 +1998,37 @@
           <a:p>
             <a:pPr lvl="0"/>
             <a:r>
-              <a:rPr lang="en-US" smtClean="0"/>
+              <a:rPr lang="en-US"/>
               <a:t>Click to edit Master text styles</a:t>
             </a:r>
           </a:p>
           <a:p>
             <a:pPr lvl="1"/>
             <a:r>
-              <a:rPr lang="en-US" smtClean="0"/>
+              <a:rPr lang="en-US"/>
               <a:t>Second level</a:t>
             </a:r>
           </a:p>
           <a:p>
             <a:pPr lvl="2"/>
             <a:r>
-              <a:rPr lang="en-US" smtClean="0"/>
+              <a:rPr lang="en-US"/>
               <a:t>Third level</a:t>
             </a:r>
           </a:p>
           <a:p>
             <a:pPr lvl="3"/>
             <a:r>
-              <a:rPr lang="en-US" smtClean="0"/>
+              <a:rPr lang="en-US"/>
               <a:t>Fourth level</a:t>
             </a:r>
           </a:p>
           <a:p>
             <a:pPr lvl="4"/>
             <a:r>
-              <a:rPr lang="en-US" smtClean="0"/>
+              <a:rPr lang="en-US"/>
               <a:t>Fifth level</a:t>
             </a:r>
-            <a:endParaRPr lang="en-US"/>
           </a:p>
         </p:txBody>
       </p:sp>
@@ -2047,7 +2049,7 @@
           <a:p>
             <a:fld id="{620CD570-9DDA-524E-9F58-9DBC8D3A8C31}" type="datetime1">
               <a:rPr lang="en-US" smtClean="0"/>
-              <a:t>6/17/15</a:t>
+              <a:t>2/18/2020</a:t>
             </a:fld>
             <a:endParaRPr lang="en-US"/>
           </a:p>
@@ -2069,10 +2071,9 @@
           <a:lstStyle/>
           <a:p>
             <a:r>
-              <a:rPr lang="en-US" smtClean="0"/>
+              <a:rPr lang="en-US"/>
               <a:t>Developed by TEALS in 2015  www.tealsk12.org</a:t>
             </a:r>
-            <a:endParaRPr lang="en-US"/>
           </a:p>
         </p:txBody>
       </p:sp>
@@ -2154,10 +2155,9 @@
           </a:lstStyle>
           <a:p>
             <a:r>
-              <a:rPr lang="en-US" smtClean="0"/>
+              <a:rPr lang="en-US"/>
               <a:t>Click to edit Master title style</a:t>
             </a:r>
-            <a:endParaRPr lang="en-US"/>
           </a:p>
         </p:txBody>
       </p:sp>
@@ -2274,7 +2274,7 @@
           <a:p>
             <a:pPr lvl="0"/>
             <a:r>
-              <a:rPr lang="en-US" smtClean="0"/>
+              <a:rPr lang="en-US"/>
               <a:t>Click to edit Master text styles</a:t>
             </a:r>
           </a:p>
@@ -2297,7 +2297,7 @@
           <a:p>
             <a:fld id="{FEBAD56B-400E-5542-B4A1-CD46AB8B4D0E}" type="datetime1">
               <a:rPr lang="en-US" smtClean="0"/>
-              <a:t>6/17/15</a:t>
+              <a:t>2/18/2020</a:t>
             </a:fld>
             <a:endParaRPr lang="en-US"/>
           </a:p>
@@ -2319,10 +2319,9 @@
           <a:lstStyle/>
           <a:p>
             <a:r>
-              <a:rPr lang="en-US" smtClean="0"/>
+              <a:rPr lang="en-US"/>
               <a:t>Developed by TEALS in 2015  www.tealsk12.org</a:t>
             </a:r>
-            <a:endParaRPr lang="en-US"/>
           </a:p>
         </p:txBody>
       </p:sp>
@@ -2395,10 +2394,9 @@
           <a:lstStyle/>
           <a:p>
             <a:r>
-              <a:rPr lang="en-US" smtClean="0"/>
+              <a:rPr lang="en-US"/>
               <a:t>Click to edit Master title style</a:t>
             </a:r>
-            <a:endParaRPr lang="en-US"/>
           </a:p>
         </p:txBody>
       </p:sp>
@@ -2452,38 +2450,37 @@
           <a:p>
             <a:pPr lvl="0"/>
             <a:r>
-              <a:rPr lang="en-US" smtClean="0"/>
+              <a:rPr lang="en-US"/>
               <a:t>Click to edit Master text styles</a:t>
             </a:r>
           </a:p>
           <a:p>
             <a:pPr lvl="1"/>
             <a:r>
-              <a:rPr lang="en-US" smtClean="0"/>
+              <a:rPr lang="en-US"/>
               <a:t>Second level</a:t>
             </a:r>
           </a:p>
           <a:p>
             <a:pPr lvl="2"/>
             <a:r>
-              <a:rPr lang="en-US" smtClean="0"/>
+              <a:rPr lang="en-US"/>
               <a:t>Third level</a:t>
             </a:r>
           </a:p>
           <a:p>
             <a:pPr lvl="3"/>
             <a:r>
-              <a:rPr lang="en-US" smtClean="0"/>
+              <a:rPr lang="en-US"/>
               <a:t>Fourth level</a:t>
             </a:r>
           </a:p>
           <a:p>
             <a:pPr lvl="4"/>
             <a:r>
-              <a:rPr lang="en-US" smtClean="0"/>
+              <a:rPr lang="en-US"/>
               <a:t>Fifth level</a:t>
             </a:r>
-            <a:endParaRPr lang="en-US"/>
           </a:p>
         </p:txBody>
       </p:sp>
@@ -2537,38 +2534,37 @@
           <a:p>
             <a:pPr lvl="0"/>
             <a:r>
-              <a:rPr lang="en-US" smtClean="0"/>
+              <a:rPr lang="en-US"/>
               <a:t>Click to edit Master text styles</a:t>
             </a:r>
           </a:p>
           <a:p>
             <a:pPr lvl="1"/>
             <a:r>
-              <a:rPr lang="en-US" smtClean="0"/>
+              <a:rPr lang="en-US"/>
               <a:t>Second level</a:t>
             </a:r>
           </a:p>
           <a:p>
             <a:pPr lvl="2"/>
             <a:r>
-              <a:rPr lang="en-US" smtClean="0"/>
+              <a:rPr lang="en-US"/>
               <a:t>Third level</a:t>
             </a:r>
           </a:p>
           <a:p>
             <a:pPr lvl="3"/>
             <a:r>
-              <a:rPr lang="en-US" smtClean="0"/>
+              <a:rPr lang="en-US"/>
               <a:t>Fourth level</a:t>
             </a:r>
           </a:p>
           <a:p>
             <a:pPr lvl="4"/>
             <a:r>
-              <a:rPr lang="en-US" smtClean="0"/>
+              <a:rPr lang="en-US"/>
               <a:t>Fifth level</a:t>
             </a:r>
-            <a:endParaRPr lang="en-US"/>
           </a:p>
         </p:txBody>
       </p:sp>
@@ -2589,7 +2585,7 @@
           <a:p>
             <a:fld id="{43394E63-B418-1F4A-9C08-2548B9C5B3C1}" type="datetime1">
               <a:rPr lang="en-US" smtClean="0"/>
-              <a:t>6/17/15</a:t>
+              <a:t>2/18/2020</a:t>
             </a:fld>
             <a:endParaRPr lang="en-US"/>
           </a:p>
@@ -2611,10 +2607,9 @@
           <a:lstStyle/>
           <a:p>
             <a:r>
-              <a:rPr lang="en-US" smtClean="0"/>
+              <a:rPr lang="en-US"/>
               <a:t>Developed by TEALS in 2015  www.tealsk12.org</a:t>
             </a:r>
-            <a:endParaRPr lang="en-US"/>
           </a:p>
         </p:txBody>
       </p:sp>
@@ -2691,10 +2686,9 @@
           </a:lstStyle>
           <a:p>
             <a:r>
-              <a:rPr lang="en-US" smtClean="0"/>
+              <a:rPr lang="en-US"/>
               <a:t>Click to edit Master title style</a:t>
             </a:r>
-            <a:endParaRPr lang="en-US"/>
           </a:p>
         </p:txBody>
       </p:sp>
@@ -2757,7 +2751,7 @@
           <a:p>
             <a:pPr lvl="0"/>
             <a:r>
-              <a:rPr lang="en-US" smtClean="0"/>
+              <a:rPr lang="en-US"/>
               <a:t>Click to edit Master text styles</a:t>
             </a:r>
           </a:p>
@@ -2813,38 +2807,37 @@
           <a:p>
             <a:pPr lvl="0"/>
             <a:r>
-              <a:rPr lang="en-US" smtClean="0"/>
+              <a:rPr lang="en-US"/>
               <a:t>Click to edit Master text styles</a:t>
             </a:r>
           </a:p>
           <a:p>
             <a:pPr lvl="1"/>
             <a:r>
-              <a:rPr lang="en-US" smtClean="0"/>
+              <a:rPr lang="en-US"/>
               <a:t>Second level</a:t>
             </a:r>
           </a:p>
           <a:p>
             <a:pPr lvl="2"/>
             <a:r>
-              <a:rPr lang="en-US" smtClean="0"/>
+              <a:rPr lang="en-US"/>
               <a:t>Third level</a:t>
             </a:r>
           </a:p>
           <a:p>
             <a:pPr lvl="3"/>
             <a:r>
-              <a:rPr lang="en-US" smtClean="0"/>
+              <a:rPr lang="en-US"/>
               <a:t>Fourth level</a:t>
             </a:r>
           </a:p>
           <a:p>
             <a:pPr lvl="4"/>
             <a:r>
-              <a:rPr lang="en-US" smtClean="0"/>
+              <a:rPr lang="en-US"/>
               <a:t>Fifth level</a:t>
             </a:r>
-            <a:endParaRPr lang="en-US"/>
           </a:p>
         </p:txBody>
       </p:sp>
@@ -2907,7 +2900,7 @@
           <a:p>
             <a:pPr lvl="0"/>
             <a:r>
-              <a:rPr lang="en-US" smtClean="0"/>
+              <a:rPr lang="en-US"/>
               <a:t>Click to edit Master text styles</a:t>
             </a:r>
           </a:p>
@@ -2963,38 +2956,37 @@
           <a:p>
             <a:pPr lvl="0"/>
             <a:r>
-              <a:rPr lang="en-US" smtClean="0"/>
+              <a:rPr lang="en-US"/>
               <a:t>Click to edit Master text styles</a:t>
             </a:r>
           </a:p>
           <a:p>
             <a:pPr lvl="1"/>
             <a:r>
-              <a:rPr lang="en-US" smtClean="0"/>
+              <a:rPr lang="en-US"/>
               <a:t>Second level</a:t>
             </a:r>
           </a:p>
           <a:p>
             <a:pPr lvl="2"/>
             <a:r>
-              <a:rPr lang="en-US" smtClean="0"/>
+              <a:rPr lang="en-US"/>
               <a:t>Third level</a:t>
             </a:r>
           </a:p>
           <a:p>
             <a:pPr lvl="3"/>
             <a:r>
-              <a:rPr lang="en-US" smtClean="0"/>
+              <a:rPr lang="en-US"/>
               <a:t>Fourth level</a:t>
             </a:r>
           </a:p>
           <a:p>
             <a:pPr lvl="4"/>
             <a:r>
-              <a:rPr lang="en-US" smtClean="0"/>
+              <a:rPr lang="en-US"/>
               <a:t>Fifth level</a:t>
             </a:r>
-            <a:endParaRPr lang="en-US"/>
           </a:p>
         </p:txBody>
       </p:sp>
@@ -3015,7 +3007,7 @@
           <a:p>
             <a:fld id="{6F92EF41-DD41-C742-BC3B-970F41658B68}" type="datetime1">
               <a:rPr lang="en-US" smtClean="0"/>
-              <a:t>6/17/15</a:t>
+              <a:t>2/18/2020</a:t>
             </a:fld>
             <a:endParaRPr lang="en-US"/>
           </a:p>
@@ -3037,10 +3029,9 @@
           <a:lstStyle/>
           <a:p>
             <a:r>
-              <a:rPr lang="en-US" smtClean="0"/>
+              <a:rPr lang="en-US"/>
               <a:t>Developed by TEALS in 2015  www.tealsk12.org</a:t>
             </a:r>
-            <a:endParaRPr lang="en-US"/>
           </a:p>
         </p:txBody>
       </p:sp>
@@ -3113,10 +3104,9 @@
           <a:lstStyle/>
           <a:p>
             <a:r>
-              <a:rPr lang="en-US" smtClean="0"/>
+              <a:rPr lang="en-US"/>
               <a:t>Click to edit Master title style</a:t>
             </a:r>
-            <a:endParaRPr lang="en-US"/>
           </a:p>
         </p:txBody>
       </p:sp>
@@ -3137,7 +3127,7 @@
           <a:p>
             <a:fld id="{631009B9-6DC3-0349-8BB5-CE1E5B2C68D1}" type="datetime1">
               <a:rPr lang="en-US" smtClean="0"/>
-              <a:t>6/17/15</a:t>
+              <a:t>2/18/2020</a:t>
             </a:fld>
             <a:endParaRPr lang="en-US"/>
           </a:p>
@@ -3159,10 +3149,9 @@
           <a:lstStyle/>
           <a:p>
             <a:r>
-              <a:rPr lang="en-US" smtClean="0"/>
+              <a:rPr lang="en-US"/>
               <a:t>Developed by TEALS in 2015  www.tealsk12.org</a:t>
             </a:r>
-            <a:endParaRPr lang="en-US"/>
           </a:p>
         </p:txBody>
       </p:sp>
@@ -3236,7 +3225,7 @@
           <a:p>
             <a:fld id="{DBD68779-2025-B44F-AD23-DF62F9874F1B}" type="datetime1">
               <a:rPr lang="en-US" smtClean="0"/>
-              <a:t>6/17/15</a:t>
+              <a:t>2/18/2020</a:t>
             </a:fld>
             <a:endParaRPr lang="en-US"/>
           </a:p>
@@ -3258,10 +3247,9 @@
           <a:lstStyle/>
           <a:p>
             <a:r>
-              <a:rPr lang="en-US" smtClean="0"/>
+              <a:rPr lang="en-US"/>
               <a:t>Developed by TEALS in 2015  www.tealsk12.org</a:t>
             </a:r>
-            <a:endParaRPr lang="en-US"/>
           </a:p>
         </p:txBody>
       </p:sp>
@@ -3343,10 +3331,9 @@
           </a:lstStyle>
           <a:p>
             <a:r>
-              <a:rPr lang="en-US" smtClean="0"/>
+              <a:rPr lang="en-US"/>
               <a:t>Click to edit Master title style</a:t>
             </a:r>
-            <a:endParaRPr lang="en-US"/>
           </a:p>
         </p:txBody>
       </p:sp>
@@ -3400,38 +3387,37 @@
           <a:p>
             <a:pPr lvl="0"/>
             <a:r>
-              <a:rPr lang="en-US" smtClean="0"/>
+              <a:rPr lang="en-US"/>
               <a:t>Click to edit Master text styles</a:t>
             </a:r>
           </a:p>
           <a:p>
             <a:pPr lvl="1"/>
             <a:r>
-              <a:rPr lang="en-US" smtClean="0"/>
+              <a:rPr lang="en-US"/>
               <a:t>Second level</a:t>
             </a:r>
           </a:p>
           <a:p>
             <a:pPr lvl="2"/>
             <a:r>
-              <a:rPr lang="en-US" smtClean="0"/>
+              <a:rPr lang="en-US"/>
               <a:t>Third level</a:t>
             </a:r>
           </a:p>
           <a:p>
             <a:pPr lvl="3"/>
             <a:r>
-              <a:rPr lang="en-US" smtClean="0"/>
+              <a:rPr lang="en-US"/>
               <a:t>Fourth level</a:t>
             </a:r>
           </a:p>
           <a:p>
             <a:pPr lvl="4"/>
             <a:r>
-              <a:rPr lang="en-US" smtClean="0"/>
+              <a:rPr lang="en-US"/>
               <a:t>Fifth level</a:t>
             </a:r>
-            <a:endParaRPr lang="en-US"/>
           </a:p>
         </p:txBody>
       </p:sp>
@@ -3494,7 +3480,7 @@
           <a:p>
             <a:pPr lvl="0"/>
             <a:r>
-              <a:rPr lang="en-US" smtClean="0"/>
+              <a:rPr lang="en-US"/>
               <a:t>Click to edit Master text styles</a:t>
             </a:r>
           </a:p>
@@ -3517,7 +3503,7 @@
           <a:p>
             <a:fld id="{1C533E1B-B859-DB4E-86F0-BE8C9C0ABFF7}" type="datetime1">
               <a:rPr lang="en-US" smtClean="0"/>
-              <a:t>6/17/15</a:t>
+              <a:t>2/18/2020</a:t>
             </a:fld>
             <a:endParaRPr lang="en-US"/>
           </a:p>
@@ -3539,10 +3525,9 @@
           <a:lstStyle/>
           <a:p>
             <a:r>
-              <a:rPr lang="en-US" smtClean="0"/>
+              <a:rPr lang="en-US"/>
               <a:t>Developed by TEALS in 2015  www.tealsk12.org</a:t>
             </a:r>
-            <a:endParaRPr lang="en-US"/>
           </a:p>
         </p:txBody>
       </p:sp>
@@ -3624,10 +3609,9 @@
           </a:lstStyle>
           <a:p>
             <a:r>
-              <a:rPr lang="en-US" smtClean="0"/>
+              <a:rPr lang="en-US"/>
               <a:t>Click to edit Master title style</a:t>
             </a:r>
-            <a:endParaRPr lang="en-US"/>
           </a:p>
         </p:txBody>
       </p:sp>
@@ -3751,7 +3735,7 @@
           <a:p>
             <a:pPr lvl="0"/>
             <a:r>
-              <a:rPr lang="en-US" smtClean="0"/>
+              <a:rPr lang="en-US"/>
               <a:t>Click to edit Master text styles</a:t>
             </a:r>
           </a:p>
@@ -3774,7 +3758,7 @@
           <a:p>
             <a:fld id="{AC1EAEA1-8470-6B4A-8D60-97578450ABB9}" type="datetime1">
               <a:rPr lang="en-US" smtClean="0"/>
-              <a:t>6/17/15</a:t>
+              <a:t>2/18/2020</a:t>
             </a:fld>
             <a:endParaRPr lang="en-US"/>
           </a:p>
@@ -3796,10 +3780,9 @@
           <a:lstStyle/>
           <a:p>
             <a:r>
-              <a:rPr lang="en-US" smtClean="0"/>
+              <a:rPr lang="en-US"/>
               <a:t>Developed by TEALS in 2015  www.tealsk12.org</a:t>
             </a:r>
-            <a:endParaRPr lang="en-US"/>
           </a:p>
         </p:txBody>
       </p:sp>
@@ -3887,10 +3870,9 @@
           <a:lstStyle/>
           <a:p>
             <a:r>
-              <a:rPr lang="en-US" smtClean="0"/>
+              <a:rPr lang="en-US"/>
               <a:t>Click to edit Master title style</a:t>
             </a:r>
-            <a:endParaRPr lang="en-US"/>
           </a:p>
         </p:txBody>
       </p:sp>
@@ -3921,38 +3903,37 @@
           <a:p>
             <a:pPr lvl="0"/>
             <a:r>
-              <a:rPr lang="en-US" smtClean="0"/>
+              <a:rPr lang="en-US"/>
               <a:t>Click to edit Master text styles</a:t>
             </a:r>
           </a:p>
           <a:p>
             <a:pPr lvl="1"/>
             <a:r>
-              <a:rPr lang="en-US" smtClean="0"/>
+              <a:rPr lang="en-US"/>
               <a:t>Second level</a:t>
             </a:r>
           </a:p>
           <a:p>
             <a:pPr lvl="2"/>
             <a:r>
-              <a:rPr lang="en-US" smtClean="0"/>
+              <a:rPr lang="en-US"/>
               <a:t>Third level</a:t>
             </a:r>
           </a:p>
           <a:p>
             <a:pPr lvl="3"/>
             <a:r>
-              <a:rPr lang="en-US" smtClean="0"/>
+              <a:rPr lang="en-US"/>
               <a:t>Fourth level</a:t>
             </a:r>
           </a:p>
           <a:p>
             <a:pPr lvl="4"/>
             <a:r>
-              <a:rPr lang="en-US" smtClean="0"/>
+              <a:rPr lang="en-US"/>
               <a:t>Fifth level</a:t>
             </a:r>
-            <a:endParaRPr lang="en-US"/>
           </a:p>
         </p:txBody>
       </p:sp>
@@ -3991,7 +3972,7 @@
           <a:p>
             <a:fld id="{EB2A284D-251E-7046-B0B7-6A85726BD855}" type="datetime1">
               <a:rPr lang="en-US" smtClean="0"/>
-              <a:t>6/17/15</a:t>
+              <a:t>2/18/2020</a:t>
             </a:fld>
             <a:endParaRPr lang="en-US"/>
           </a:p>
@@ -4031,10 +4012,9 @@
           </a:lstStyle>
           <a:p>
             <a:r>
-              <a:rPr lang="en-US" smtClean="0"/>
+              <a:rPr lang="en-US"/>
               <a:t>Developed by TEALS in 2015  www.tealsk12.org</a:t>
             </a:r>
-            <a:endParaRPr lang="en-US"/>
           </a:p>
         </p:txBody>
       </p:sp>
@@ -4384,27 +4364,22 @@
         <p:spPr/>
         <p:txBody>
           <a:bodyPr>
-            <a:normAutofit fontScale="90000"/>
+            <a:normAutofit/>
           </a:bodyPr>
           <a:lstStyle/>
           <a:p>
             <a:r>
-              <a:rPr lang="en-US" b="1" dirty="0" smtClean="0"/>
+              <a:rPr lang="en-US" b="1" dirty="0"/>
               <a:t>Lesson 1.1 </a:t>
             </a:r>
             <a:r>
-              <a:rPr lang="en-US" dirty="0" smtClean="0">
+              <a:rPr lang="en-US" dirty="0">
                 <a:solidFill>
                   <a:srgbClr val="17B1AA"/>
                 </a:solidFill>
               </a:rPr>
-              <a:t>Using Eclipse and Practice-It</a:t>
-            </a:r>
-            <a:endParaRPr lang="en-US" dirty="0">
-              <a:solidFill>
-                <a:srgbClr val="17B1AA"/>
-              </a:solidFill>
-            </a:endParaRPr>
+              <a:t>Using Eclipse</a:t>
+            </a:r>
           </a:p>
         </p:txBody>
       </p:sp>
@@ -4433,71 +4408,61 @@
               </a:rPr>
               <a:t>Objectives </a:t>
             </a:r>
-            <a:endParaRPr lang="en-US" dirty="0" smtClean="0">
+          </a:p>
+          <a:p>
+            <a:pPr lvl="1"/>
+            <a:r>
+              <a:rPr lang="en-US" b="1" dirty="0"/>
+              <a:t>Describe</a:t>
+            </a:r>
+            <a:r>
+              <a:rPr lang="en-US" dirty="0"/>
+              <a:t> one or more careers related to computer science and technology.</a:t>
+            </a:r>
+          </a:p>
+          <a:p>
+            <a:pPr lvl="1"/>
+            <a:r>
+              <a:rPr lang="en-US" b="1" dirty="0"/>
+              <a:t>Write</a:t>
+            </a:r>
+            <a:r>
+              <a:rPr lang="en-US" dirty="0"/>
+              <a:t> sequential instructions to solve a problem.</a:t>
+            </a:r>
+          </a:p>
+          <a:p>
+            <a:pPr lvl="1"/>
+            <a:r>
+              <a:rPr lang="en-US" b="1" dirty="0"/>
+              <a:t>Ask</a:t>
+            </a:r>
+            <a:r>
+              <a:rPr lang="en-US" dirty="0"/>
+              <a:t> intelligent questions about the field of computer science.</a:t>
+            </a:r>
+          </a:p>
+          <a:p>
+            <a:pPr lvl="1"/>
+            <a:r>
+              <a:rPr lang="en-US" b="1" dirty="0"/>
+              <a:t>Identify</a:t>
+            </a:r>
+            <a:r>
+              <a:rPr lang="en-US" dirty="0"/>
+              <a:t> 'next steps' to learn more about computer science </a:t>
+            </a:r>
+          </a:p>
+          <a:p>
+            <a:endParaRPr lang="en-US" dirty="0">
               <a:solidFill>
                 <a:srgbClr val="17B1AA"/>
               </a:solidFill>
             </a:endParaRPr>
           </a:p>
           <a:p>
-            <a:pPr lvl="1"/>
-            <a:r>
-              <a:rPr lang="en-US" b="1" dirty="0"/>
-              <a:t>Describe</a:t>
-            </a:r>
-            <a:r>
-              <a:rPr lang="en-US" dirty="0"/>
-              <a:t> one or more careers related to computer science and technology.</a:t>
-            </a:r>
-          </a:p>
-          <a:p>
-            <a:pPr lvl="1"/>
-            <a:r>
-              <a:rPr lang="en-US" b="1" dirty="0"/>
-              <a:t>Write</a:t>
-            </a:r>
-            <a:r>
-              <a:rPr lang="en-US" dirty="0"/>
-              <a:t> sequential instructions to solve a problem.</a:t>
-            </a:r>
-          </a:p>
-          <a:p>
-            <a:pPr lvl="1"/>
-            <a:r>
-              <a:rPr lang="en-US" b="1" dirty="0"/>
-              <a:t>Ask</a:t>
-            </a:r>
-            <a:r>
-              <a:rPr lang="en-US" dirty="0"/>
-              <a:t> intelligent questions about the field of computer science.</a:t>
-            </a:r>
-          </a:p>
-          <a:p>
-            <a:pPr lvl="1"/>
-            <a:r>
-              <a:rPr lang="en-US" b="1" dirty="0"/>
-              <a:t>Identify</a:t>
-            </a:r>
-            <a:r>
-              <a:rPr lang="en-US" dirty="0"/>
-              <a:t> 'next steps' to learn more about computer science</a:t>
-            </a:r>
-            <a:r>
-              <a:rPr lang="en-US" dirty="0"/>
-              <a:t> </a:t>
-            </a:r>
-            <a:endParaRPr lang="en-US" dirty="0"/>
-          </a:p>
-          <a:p>
-            <a:endParaRPr lang="en-US" dirty="0" smtClean="0">
-              <a:solidFill>
-                <a:srgbClr val="17B1AA"/>
-              </a:solidFill>
-            </a:endParaRPr>
-          </a:p>
-          <a:p>
-            <a:r>
-              <a:rPr lang="en-US" dirty="0" smtClean="0">
+            <a:r>
+              <a:rPr lang="en-US" dirty="0">
                 <a:solidFill>
                   <a:srgbClr val="17B1AA"/>
                 </a:solidFill>
@@ -4514,17 +4479,6 @@
             <a:r>
               <a:rPr lang="en-US" dirty="0"/>
               <a:t> Plug-In and Un-Plug procedures</a:t>
-            </a:r>
-          </a:p>
-          <a:p>
-            <a:pPr lvl="1"/>
-            <a:r>
-              <a:rPr lang="en-US" b="1" dirty="0"/>
-              <a:t>Log in and submit</a:t>
-            </a:r>
-            <a:r>
-              <a:rPr lang="en-US" dirty="0"/>
-              <a:t> a sample problem in Practice-It</a:t>
             </a:r>
           </a:p>
           <a:p>
@@ -4542,11 +4496,6 @@
               </a:rPr>
               <a:t>Homework </a:t>
             </a:r>
-            <a:endParaRPr lang="en-US" dirty="0" smtClean="0">
-              <a:solidFill>
-                <a:srgbClr val="17B1AA"/>
-              </a:solidFill>
-            </a:endParaRPr>
           </a:p>
           <a:p>
             <a:pPr lvl="1"/>
@@ -4615,10 +4564,9 @@
           <a:lstStyle/>
           <a:p>
             <a:r>
-              <a:rPr lang="en-US" smtClean="0"/>
+              <a:rPr lang="en-US"/>
               <a:t>Developed by TEALS in 2015  www.tealsk12.org</a:t>
             </a:r>
-            <a:endParaRPr lang="en-US"/>
           </a:p>
         </p:txBody>
       </p:sp>
@@ -4670,22 +4618,17 @@
           <a:lstStyle/>
           <a:p>
             <a:r>
-              <a:rPr lang="en-US" b="1" dirty="0" smtClean="0"/>
+              <a:rPr lang="en-US" b="1" dirty="0"/>
               <a:t>Lesson 1.5 </a:t>
             </a:r>
             <a:r>
-              <a:rPr lang="en-US" dirty="0" smtClean="0">
+              <a:rPr lang="en-US" dirty="0">
                 <a:solidFill>
                   <a:srgbClr val="17B1AA"/>
                 </a:solidFill>
               </a:rPr>
               <a:t>Static Methods and Method Calls</a:t>
             </a:r>
-            <a:endParaRPr lang="en-US" dirty="0">
-              <a:solidFill>
-                <a:srgbClr val="17B1AA"/>
-              </a:solidFill>
-            </a:endParaRPr>
           </a:p>
         </p:txBody>
       </p:sp>
@@ -4714,11 +4657,6 @@
               </a:rPr>
               <a:t>Objectives </a:t>
             </a:r>
-            <a:endParaRPr lang="en-US" dirty="0" smtClean="0">
-              <a:solidFill>
-                <a:srgbClr val="17B1AA"/>
-              </a:solidFill>
-            </a:endParaRPr>
           </a:p>
           <a:p>
             <a:pPr lvl="1"/>
@@ -4757,11 +4695,6 @@
               </a:rPr>
               <a:t>Assessments </a:t>
             </a:r>
-            <a:endParaRPr lang="en-US" dirty="0" smtClean="0">
-              <a:solidFill>
-                <a:srgbClr val="17B1AA"/>
-              </a:solidFill>
-            </a:endParaRPr>
           </a:p>
           <a:p>
             <a:pPr lvl="1"/>
@@ -4771,7 +4704,7 @@
             </a:r>
             <a:r>
               <a:rPr lang="en-US" dirty="0"/>
-              <a:t> Practice-It problems</a:t>
+              <a:t> Practice problems</a:t>
             </a:r>
           </a:p>
           <a:p>
@@ -4789,11 +4722,6 @@
               </a:rPr>
               <a:t>Homework </a:t>
             </a:r>
-            <a:endParaRPr lang="en-US" dirty="0" smtClean="0">
-              <a:solidFill>
-                <a:srgbClr val="17B1AA"/>
-              </a:solidFill>
-            </a:endParaRPr>
           </a:p>
           <a:p>
             <a:pPr lvl="1"/>
@@ -4838,10 +4766,9 @@
           <a:lstStyle/>
           <a:p>
             <a:r>
-              <a:rPr lang="en-US" smtClean="0"/>
+              <a:rPr lang="en-US"/>
               <a:t>Developed by TEALS in 2015  www.tealsk12.org</a:t>
             </a:r>
-            <a:endParaRPr lang="en-US"/>
           </a:p>
         </p:txBody>
       </p:sp>
@@ -4893,22 +4820,17 @@
           <a:lstStyle/>
           <a:p>
             <a:r>
-              <a:rPr lang="en-US" b="1" dirty="0" smtClean="0"/>
+              <a:rPr lang="en-US" b="1" dirty="0"/>
               <a:t>Lesson 1.6 </a:t>
             </a:r>
             <a:r>
-              <a:rPr lang="en-US" dirty="0" smtClean="0">
+              <a:rPr lang="en-US" dirty="0">
                 <a:solidFill>
                   <a:srgbClr val="17B1AA"/>
                 </a:solidFill>
               </a:rPr>
               <a:t>Static Methods and Method Calls</a:t>
             </a:r>
-            <a:endParaRPr lang="en-US" dirty="0">
-              <a:solidFill>
-                <a:srgbClr val="17B1AA"/>
-              </a:solidFill>
-            </a:endParaRPr>
           </a:p>
         </p:txBody>
       </p:sp>
@@ -4937,49 +4859,39 @@
               </a:rPr>
               <a:t>Objectives </a:t>
             </a:r>
-            <a:endParaRPr lang="en-US" dirty="0" smtClean="0">
+          </a:p>
+          <a:p>
+            <a:pPr lvl="1"/>
+            <a:r>
+              <a:rPr lang="en-US" b="1" dirty="0"/>
+              <a:t>Use</a:t>
+            </a:r>
+            <a:r>
+              <a:rPr lang="en-US" dirty="0"/>
+              <a:t> structure diagrams to plan complex programs.</a:t>
+            </a:r>
+          </a:p>
+          <a:p>
+            <a:pPr lvl="1"/>
+            <a:r>
+              <a:rPr lang="en-US" b="1" dirty="0"/>
+              <a:t>Manage</a:t>
+            </a:r>
+            <a:r>
+              <a:rPr lang="en-US" dirty="0"/>
+              <a:t> complexity by using method calls </a:t>
+            </a:r>
+          </a:p>
+          <a:p>
+            <a:endParaRPr lang="en-US" dirty="0">
               <a:solidFill>
                 <a:srgbClr val="17B1AA"/>
               </a:solidFill>
             </a:endParaRPr>
           </a:p>
           <a:p>
-            <a:pPr lvl="1"/>
-            <a:r>
-              <a:rPr lang="en-US" b="1" dirty="0"/>
-              <a:t>Use</a:t>
-            </a:r>
-            <a:r>
-              <a:rPr lang="en-US" dirty="0"/>
-              <a:t> structure diagrams to plan complex programs.</a:t>
-            </a:r>
-          </a:p>
-          <a:p>
-            <a:pPr lvl="1"/>
-            <a:r>
-              <a:rPr lang="en-US" b="1" dirty="0"/>
-              <a:t>Manage</a:t>
-            </a:r>
-            <a:r>
-              <a:rPr lang="en-US" dirty="0"/>
-              <a:t> complexity by using method calls</a:t>
-            </a:r>
-            <a:r>
-              <a:rPr lang="en-US" dirty="0"/>
-              <a:t> </a:t>
-            </a:r>
-            <a:endParaRPr lang="en-US" dirty="0"/>
-          </a:p>
-          <a:p>
-            <a:endParaRPr lang="en-US" dirty="0" smtClean="0">
-              <a:solidFill>
-                <a:srgbClr val="17B1AA"/>
-              </a:solidFill>
-            </a:endParaRPr>
-          </a:p>
-          <a:p>
-            <a:r>
-              <a:rPr lang="en-US" dirty="0" smtClean="0">
+            <a:r>
+              <a:rPr lang="en-US" dirty="0">
                 <a:solidFill>
                   <a:srgbClr val="17B1AA"/>
                 </a:solidFill>
@@ -4995,7 +4907,7 @@
             </a:r>
             <a:r>
               <a:rPr lang="en-US" dirty="0"/>
-              <a:t> Practice-It problems</a:t>
+              <a:t> Practice problems</a:t>
             </a:r>
           </a:p>
           <a:p>
@@ -5024,11 +4936,6 @@
               </a:rPr>
               <a:t>Homework </a:t>
             </a:r>
-            <a:endParaRPr lang="en-US" dirty="0" smtClean="0">
-              <a:solidFill>
-                <a:srgbClr val="17B1AA"/>
-              </a:solidFill>
-            </a:endParaRPr>
           </a:p>
           <a:p>
             <a:pPr lvl="1"/>
@@ -5073,10 +4980,9 @@
           <a:lstStyle/>
           <a:p>
             <a:r>
-              <a:rPr lang="en-US" smtClean="0"/>
+              <a:rPr lang="en-US"/>
               <a:t>Developed by TEALS in 2015  www.tealsk12.org</a:t>
             </a:r>
-            <a:endParaRPr lang="en-US"/>
           </a:p>
         </p:txBody>
       </p:sp>
@@ -5126,10 +5032,9 @@
           <a:lstStyle/>
           <a:p>
             <a:r>
-              <a:rPr lang="en-US" dirty="0" smtClean="0"/>
+              <a:rPr lang="en-US" dirty="0"/>
               <a:t>Programming Challenge!</a:t>
             </a:r>
-            <a:endParaRPr lang="en-US" dirty="0"/>
           </a:p>
         </p:txBody>
       </p:sp>
@@ -5165,17 +5070,12 @@
               <a:rPr lang="en-US" dirty="0"/>
               <a:t> that generates the following output. </a:t>
             </a:r>
-            <a:endParaRPr lang="en-US" dirty="0" smtClean="0"/>
           </a:p>
           <a:p>
             <a:pPr lvl="1"/>
             <a:r>
-              <a:rPr lang="en-US" dirty="0" smtClean="0"/>
-              <a:t>You </a:t>
-            </a:r>
-            <a:r>
               <a:rPr lang="en-US" dirty="0"/>
-              <a:t>MUST include a </a:t>
+              <a:t>You MUST include a </a:t>
             </a:r>
             <a:r>
               <a:rPr lang="en-US" b="1" dirty="0"/>
@@ -5185,17 +5085,12 @@
               <a:rPr lang="en-US" dirty="0"/>
               <a:t>or your answer will be disqualified. </a:t>
             </a:r>
-            <a:endParaRPr lang="en-US" dirty="0" smtClean="0"/>
           </a:p>
           <a:p>
             <a:pPr lvl="1"/>
             <a:r>
-              <a:rPr lang="en-US" dirty="0" smtClean="0"/>
-              <a:t>A </a:t>
-            </a:r>
-            <a:r>
               <a:rPr lang="en-US" dirty="0"/>
-              <a:t>correct answer will use </a:t>
+              <a:t>A correct answer will use </a:t>
             </a:r>
             <a:r>
               <a:rPr lang="en-US" b="1" dirty="0"/>
@@ -5206,7 +5101,7 @@
               <a:t>to show structure and eliminate redundancy in your solution.</a:t>
             </a:r>
             <a:r>
-              <a:rPr lang="en-US" dirty="0" smtClean="0">
+              <a:rPr lang="en-US" dirty="0">
                 <a:effectLst/>
               </a:rPr>
               <a:t> </a:t>
@@ -5231,10 +5126,9 @@
           <a:lstStyle/>
           <a:p>
             <a:r>
-              <a:rPr lang="en-US" smtClean="0"/>
+              <a:rPr lang="en-US"/>
               <a:t>Developed by TEALS in 2015  www.tealsk12.org</a:t>
             </a:r>
-            <a:endParaRPr lang="en-US"/>
           </a:p>
         </p:txBody>
       </p:sp>
@@ -5585,7 +5479,7 @@
           <a:lstStyle/>
           <a:p>
             <a:r>
-              <a:rPr lang="en-US" smtClean="0"/>
+              <a:rPr lang="en-US"/>
               <a:t>Developed by TEALS in 2015  www.tealsk12.org</a:t>
             </a:r>
             <a:endParaRPr lang="en-US" dirty="0"/>
@@ -5638,22 +5532,17 @@
           <a:lstStyle/>
           <a:p>
             <a:r>
-              <a:rPr lang="en-US" b="1" dirty="0" smtClean="0"/>
+              <a:rPr lang="en-US" b="1" dirty="0"/>
               <a:t>Lesson 1.7 </a:t>
             </a:r>
             <a:r>
-              <a:rPr lang="en-US" dirty="0" smtClean="0">
+              <a:rPr lang="en-US" dirty="0">
                 <a:solidFill>
                   <a:srgbClr val="17B1AA"/>
                 </a:solidFill>
               </a:rPr>
               <a:t>Programming Project</a:t>
             </a:r>
-            <a:endParaRPr lang="en-US" dirty="0">
-              <a:solidFill>
-                <a:srgbClr val="17B1AA"/>
-              </a:solidFill>
-            </a:endParaRPr>
           </a:p>
         </p:txBody>
       </p:sp>
@@ -5682,11 +5571,6 @@
               </a:rPr>
               <a:t>Objectives </a:t>
             </a:r>
-            <a:endParaRPr lang="en-US" dirty="0" smtClean="0">
-              <a:solidFill>
-                <a:srgbClr val="17B1AA"/>
-              </a:solidFill>
-            </a:endParaRPr>
           </a:p>
           <a:p>
             <a:pPr lvl="1"/>
@@ -5696,13 +5580,8 @@
             </a:r>
             <a:r>
               <a:rPr lang="en-US" dirty="0"/>
-              <a:t> a program containing method calls and static </a:t>
-            </a:r>
-            <a:r>
-              <a:rPr lang="en-US" dirty="0" smtClean="0"/>
-              <a:t>methods.</a:t>
-            </a:r>
-            <a:endParaRPr lang="en-US" dirty="0"/>
+              <a:t> a program containing method calls and static methods.</a:t>
+            </a:r>
           </a:p>
           <a:p>
             <a:pPr marL="0" indent="0">
@@ -5719,11 +5598,6 @@
               </a:rPr>
               <a:t>Assessments </a:t>
             </a:r>
-            <a:endParaRPr lang="en-US" dirty="0" smtClean="0">
-              <a:solidFill>
-                <a:srgbClr val="17B1AA"/>
-              </a:solidFill>
-            </a:endParaRPr>
           </a:p>
           <a:p>
             <a:pPr lvl="1"/>
@@ -5733,13 +5607,8 @@
             </a:r>
             <a:r>
               <a:rPr lang="en-US" dirty="0"/>
-              <a:t> a complete, functional program by the end of </a:t>
-            </a:r>
-            <a:r>
-              <a:rPr lang="en-US" dirty="0" smtClean="0"/>
-              <a:t>class.</a:t>
-            </a:r>
-            <a:endParaRPr lang="en-US" dirty="0"/>
+              <a:t> a complete, functional program by the end of class.</a:t>
+            </a:r>
           </a:p>
           <a:p>
             <a:pPr marL="0" indent="0">
@@ -5756,11 +5625,6 @@
               </a:rPr>
               <a:t>Homework </a:t>
             </a:r>
-            <a:endParaRPr lang="en-US" dirty="0" smtClean="0">
-              <a:solidFill>
-                <a:srgbClr val="17B1AA"/>
-              </a:solidFill>
-            </a:endParaRPr>
           </a:p>
           <a:p>
             <a:pPr lvl="1"/>
@@ -5770,17 +5634,12 @@
             </a:r>
             <a:r>
               <a:rPr lang="en-US" dirty="0"/>
-              <a:t> class notes for completion, adding daily summaries if needed</a:t>
-            </a:r>
-            <a:r>
-              <a:rPr lang="en-US" dirty="0" smtClean="0"/>
-              <a:t>.</a:t>
-            </a:r>
+              <a:t> class notes for completion, adding daily summaries if needed.</a:t>
+            </a:r>
+          </a:p>
+          <a:p>
             <a:endParaRPr lang="en-US" dirty="0"/>
           </a:p>
-          <a:p>
-            <a:endParaRPr lang="en-US" dirty="0"/>
-          </a:p>
         </p:txBody>
       </p:sp>
       <p:sp>
@@ -5799,10 +5658,9 @@
           <a:lstStyle/>
           <a:p>
             <a:r>
-              <a:rPr lang="en-US" smtClean="0"/>
+              <a:rPr lang="en-US"/>
               <a:t>Developed by TEALS in 2015  www.tealsk12.org</a:t>
             </a:r>
-            <a:endParaRPr lang="en-US"/>
           </a:p>
         </p:txBody>
       </p:sp>
@@ -5854,22 +5712,17 @@
           <a:lstStyle/>
           <a:p>
             <a:r>
-              <a:rPr lang="en-US" b="1" dirty="0" smtClean="0"/>
+              <a:rPr lang="en-US" b="1" dirty="0"/>
               <a:t>Lesson 1.8 </a:t>
             </a:r>
             <a:r>
-              <a:rPr lang="en-US" dirty="0" smtClean="0">
+              <a:rPr lang="en-US" dirty="0">
                 <a:solidFill>
                   <a:srgbClr val="17B1AA"/>
                 </a:solidFill>
               </a:rPr>
               <a:t>Finding and Fixing Errors</a:t>
             </a:r>
-            <a:endParaRPr lang="en-US" dirty="0">
-              <a:solidFill>
-                <a:srgbClr val="17B1AA"/>
-              </a:solidFill>
-            </a:endParaRPr>
           </a:p>
         </p:txBody>
       </p:sp>
@@ -5898,31 +5751,26 @@
               </a:rPr>
               <a:t>Objectives </a:t>
             </a:r>
-            <a:endParaRPr lang="en-US" dirty="0" smtClean="0">
-              <a:solidFill>
-                <a:srgbClr val="17B1AA"/>
-              </a:solidFill>
-            </a:endParaRPr>
           </a:p>
           <a:p>
             <a:pPr lvl="1"/>
             <a:r>
-              <a:rPr lang="en-US" b="1" dirty="0" smtClean="0"/>
+              <a:rPr lang="en-US" b="1" dirty="0"/>
               <a:t>Find</a:t>
             </a:r>
             <a:r>
-              <a:rPr lang="en-US" dirty="0" smtClean="0"/>
+              <a:rPr lang="en-US" dirty="0"/>
               <a:t> errors in returned homework assignments.</a:t>
             </a:r>
           </a:p>
           <a:p>
             <a:pPr lvl="1"/>
             <a:r>
-              <a:rPr lang="en-US" b="1" dirty="0" smtClean="0"/>
+              <a:rPr lang="en-US" b="1" dirty="0"/>
               <a:t>Correct</a:t>
             </a:r>
             <a:r>
-              <a:rPr lang="en-US" dirty="0" smtClean="0"/>
+              <a:rPr lang="en-US" dirty="0"/>
               <a:t> code</a:t>
             </a:r>
             <a:endParaRPr lang="en-US" b="1" dirty="0"/>
@@ -5942,11 +5790,6 @@
               </a:rPr>
               <a:t>Assessments </a:t>
             </a:r>
-            <a:endParaRPr lang="en-US" dirty="0" smtClean="0">
-              <a:solidFill>
-                <a:srgbClr val="17B1AA"/>
-              </a:solidFill>
-            </a:endParaRPr>
           </a:p>
           <a:p>
             <a:pPr lvl="1"/>
@@ -5956,13 +5799,8 @@
             </a:r>
             <a:r>
               <a:rPr lang="en-US" dirty="0"/>
-              <a:t> all homework assignments with corrected </a:t>
-            </a:r>
-            <a:r>
-              <a:rPr lang="en-US" dirty="0" smtClean="0"/>
-              <a:t>answers.</a:t>
-            </a:r>
-            <a:endParaRPr lang="en-US" dirty="0"/>
+              <a:t> all homework assignments with corrected answers.</a:t>
+            </a:r>
           </a:p>
           <a:p>
             <a:pPr marL="0" indent="0">
@@ -5979,11 +5817,6 @@
               </a:rPr>
               <a:t>Homework </a:t>
             </a:r>
-            <a:endParaRPr lang="en-US" dirty="0" smtClean="0">
-              <a:solidFill>
-                <a:srgbClr val="17B1AA"/>
-              </a:solidFill>
-            </a:endParaRPr>
           </a:p>
           <a:p>
             <a:pPr lvl="1"/>
@@ -6050,10 +5883,9 @@
           <a:lstStyle/>
           <a:p>
             <a:r>
-              <a:rPr lang="en-US" smtClean="0"/>
+              <a:rPr lang="en-US"/>
               <a:t>Developed by TEALS in 2015  www.tealsk12.org</a:t>
             </a:r>
-            <a:endParaRPr lang="en-US"/>
           </a:p>
         </p:txBody>
       </p:sp>
@@ -6103,22 +5935,17 @@
           <a:lstStyle/>
           <a:p>
             <a:r>
-              <a:rPr lang="en-US" b="1" dirty="0" smtClean="0"/>
+              <a:rPr lang="en-US" b="1" dirty="0"/>
               <a:t>Lesson 1.9 </a:t>
             </a:r>
             <a:r>
-              <a:rPr lang="en-US" dirty="0" smtClean="0">
+              <a:rPr lang="en-US" dirty="0">
                 <a:solidFill>
                   <a:srgbClr val="17B1AA"/>
                 </a:solidFill>
               </a:rPr>
               <a:t>Review</a:t>
             </a:r>
-            <a:endParaRPr lang="en-US" dirty="0">
-              <a:solidFill>
-                <a:srgbClr val="17B1AA"/>
-              </a:solidFill>
-            </a:endParaRPr>
           </a:p>
         </p:txBody>
       </p:sp>
@@ -6147,33 +5974,16 @@
               </a:rPr>
               <a:t>Objectives </a:t>
             </a:r>
-            <a:endParaRPr lang="en-US" dirty="0" smtClean="0">
-              <a:solidFill>
-                <a:srgbClr val="17B1AA"/>
-              </a:solidFill>
-            </a:endParaRPr>
           </a:p>
           <a:p>
             <a:pPr lvl="1"/>
             <a:r>
-              <a:rPr lang="en-US" b="1" dirty="0" smtClean="0"/>
+              <a:rPr lang="en-US" b="1" dirty="0"/>
               <a:t>Identify</a:t>
             </a:r>
             <a:r>
-              <a:rPr lang="en-US" dirty="0" smtClean="0"/>
-              <a:t> </a:t>
-            </a:r>
-            <a:r>
               <a:rPr lang="en-US" dirty="0"/>
-              <a:t>weaknesses in </a:t>
-            </a:r>
-            <a:r>
-              <a:rPr lang="en-US" dirty="0" smtClean="0"/>
-              <a:t>Unit </a:t>
-            </a:r>
-            <a:r>
-              <a:rPr lang="en-US" dirty="0"/>
-              <a:t>1 knowledge.</a:t>
+              <a:t> weaknesses in Unit 1 knowledge.</a:t>
             </a:r>
           </a:p>
           <a:p>
@@ -6191,25 +6001,16 @@
               </a:rPr>
               <a:t>Assessments </a:t>
             </a:r>
-            <a:endParaRPr lang="en-US" dirty="0" smtClean="0">
-              <a:solidFill>
-                <a:srgbClr val="17B1AA"/>
-              </a:solidFill>
-            </a:endParaRPr>
           </a:p>
           <a:p>
             <a:pPr lvl="1"/>
             <a:r>
-              <a:rPr lang="en-US" b="1" dirty="0" smtClean="0"/>
+              <a:rPr lang="en-US" b="1" dirty="0"/>
               <a:t>Create</a:t>
             </a:r>
             <a:r>
-              <a:rPr lang="en-US" dirty="0" smtClean="0"/>
-              <a:t> </a:t>
-            </a:r>
-            <a:r>
               <a:rPr lang="en-US" dirty="0"/>
-              <a:t>a personalized list of review topics to guide tonight’s study session.</a:t>
+              <a:t> a personalized list of review topics to guide tonight’s study session.</a:t>
             </a:r>
           </a:p>
           <a:p>
@@ -6227,25 +6028,16 @@
               </a:rPr>
               <a:t>Homework </a:t>
             </a:r>
-            <a:endParaRPr lang="en-US" dirty="0" smtClean="0">
-              <a:solidFill>
-                <a:srgbClr val="17B1AA"/>
-              </a:solidFill>
-            </a:endParaRPr>
           </a:p>
           <a:p>
             <a:pPr lvl="1"/>
             <a:r>
-              <a:rPr lang="en-US" b="1" dirty="0" smtClean="0"/>
+              <a:rPr lang="en-US" b="1" dirty="0"/>
               <a:t>Study</a:t>
             </a:r>
             <a:r>
-              <a:rPr lang="en-US" dirty="0" smtClean="0"/>
-              <a:t> </a:t>
-            </a:r>
-            <a:r>
               <a:rPr lang="en-US" dirty="0"/>
-              <a:t>for tomorrow’s test!</a:t>
+              <a:t> for tomorrow’s test!</a:t>
             </a:r>
           </a:p>
           <a:p>
@@ -6269,10 +6061,9 @@
           <a:lstStyle/>
           <a:p>
             <a:r>
-              <a:rPr lang="en-US" smtClean="0"/>
+              <a:rPr lang="en-US"/>
               <a:t>Developed by TEALS in 2015  www.tealsk12.org</a:t>
             </a:r>
-            <a:endParaRPr lang="en-US"/>
           </a:p>
         </p:txBody>
       </p:sp>
@@ -6324,22 +6115,17 @@
           <a:lstStyle/>
           <a:p>
             <a:r>
-              <a:rPr lang="en-US" b="1" dirty="0" smtClean="0"/>
+              <a:rPr lang="en-US" b="1" dirty="0"/>
               <a:t>Lesson 1.2 </a:t>
             </a:r>
             <a:r>
-              <a:rPr lang="en-US" dirty="0" smtClean="0">
+              <a:rPr lang="en-US" dirty="0">
                 <a:solidFill>
                   <a:srgbClr val="17B1AA"/>
                 </a:solidFill>
               </a:rPr>
               <a:t>Algorithms and Computational Thinking</a:t>
             </a:r>
-            <a:endParaRPr lang="en-US" dirty="0">
-              <a:solidFill>
-                <a:srgbClr val="17B1AA"/>
-              </a:solidFill>
-            </a:endParaRPr>
           </a:p>
         </p:txBody>
       </p:sp>
@@ -6368,11 +6154,6 @@
               </a:rPr>
               <a:t>Objectives </a:t>
             </a:r>
-            <a:endParaRPr lang="en-US" dirty="0" smtClean="0">
-              <a:solidFill>
-                <a:srgbClr val="17B1AA"/>
-              </a:solidFill>
-            </a:endParaRPr>
           </a:p>
           <a:p>
             <a:pPr lvl="1"/>
@@ -6411,11 +6192,6 @@
               </a:rPr>
               <a:t>Assessments </a:t>
             </a:r>
-            <a:endParaRPr lang="en-US" dirty="0" smtClean="0">
-              <a:solidFill>
-                <a:srgbClr val="17B1AA"/>
-              </a:solidFill>
-            </a:endParaRPr>
           </a:p>
           <a:p>
             <a:pPr lvl="1"/>
@@ -6436,13 +6212,8 @@
             </a:r>
             <a:r>
               <a:rPr lang="en-US" dirty="0"/>
-              <a:t> a program that directs the instructor to make a sandwich</a:t>
-            </a:r>
-            <a:r>
-              <a:rPr lang="en-US" dirty="0"/>
-              <a:t> </a:t>
-            </a:r>
-            <a:endParaRPr lang="en-US" dirty="0" smtClean="0"/>
+              <a:t> a program that directs the instructor to make a sandwich </a:t>
+            </a:r>
           </a:p>
           <a:p>
             <a:pPr lvl="1"/>
@@ -6457,11 +6228,6 @@
               </a:rPr>
               <a:t>Homework </a:t>
             </a:r>
-            <a:endParaRPr lang="en-US" dirty="0" smtClean="0">
-              <a:solidFill>
-                <a:srgbClr val="17B1AA"/>
-              </a:solidFill>
-            </a:endParaRPr>
           </a:p>
           <a:p>
             <a:pPr lvl="1"/>
@@ -6503,10 +6269,9 @@
           <a:lstStyle/>
           <a:p>
             <a:r>
-              <a:rPr lang="en-US" smtClean="0"/>
+              <a:rPr lang="en-US"/>
               <a:t>Developed by TEALS in 2015  www.tealsk12.org</a:t>
             </a:r>
-            <a:endParaRPr lang="en-US"/>
           </a:p>
         </p:txBody>
       </p:sp>
@@ -6585,10 +6350,9 @@
           <a:lstStyle/>
           <a:p>
             <a:r>
-              <a:rPr lang="en-US" dirty="0" smtClean="0"/>
+              <a:rPr lang="en-US" dirty="0"/>
               <a:t>Developed by TEALS in 2015  www.tealsk12.org</a:t>
             </a:r>
-            <a:endParaRPr lang="en-US" dirty="0"/>
           </a:p>
         </p:txBody>
       </p:sp>
@@ -6640,22 +6404,17 @@
           <a:lstStyle/>
           <a:p>
             <a:r>
-              <a:rPr lang="en-US" b="1" dirty="0" smtClean="0"/>
+              <a:rPr lang="en-US" b="1" dirty="0"/>
               <a:t>Lesson 1.3 </a:t>
             </a:r>
             <a:r>
-              <a:rPr lang="en-US" dirty="0" smtClean="0">
+              <a:rPr lang="en-US" dirty="0">
                 <a:solidFill>
                   <a:srgbClr val="17B1AA"/>
                 </a:solidFill>
               </a:rPr>
               <a:t>String and Console Output</a:t>
             </a:r>
-            <a:endParaRPr lang="en-US" dirty="0">
-              <a:solidFill>
-                <a:srgbClr val="17B1AA"/>
-              </a:solidFill>
-            </a:endParaRPr>
           </a:p>
         </p:txBody>
       </p:sp>
@@ -6672,7 +6431,7 @@
         <p:spPr/>
         <p:txBody>
           <a:bodyPr>
-            <a:normAutofit fontScale="77500" lnSpcReduction="20000"/>
+            <a:normAutofit fontScale="85000" lnSpcReduction="20000"/>
           </a:bodyPr>
           <a:lstStyle/>
           <a:p>
@@ -6684,52 +6443,47 @@
               </a:rPr>
               <a:t>Objectives </a:t>
             </a:r>
-            <a:endParaRPr lang="en-US" dirty="0" smtClean="0">
+          </a:p>
+          <a:p>
+            <a:pPr lvl="1"/>
+            <a:r>
+              <a:rPr lang="en-US" b="1" dirty="0"/>
+              <a:t>Correctly assemble</a:t>
+            </a:r>
+            <a:r>
+              <a:rPr lang="en-US" dirty="0"/>
+              <a:t> a complete program with a class header, body, and main method.</a:t>
+            </a:r>
+          </a:p>
+          <a:p>
+            <a:pPr lvl="1"/>
+            <a:r>
+              <a:rPr lang="en-US" b="1" dirty="0"/>
+              <a:t>Correctly use</a:t>
+            </a:r>
+            <a:r>
+              <a:rPr lang="en-US" dirty="0"/>
+              <a:t> print, </a:t>
+            </a:r>
+            <a:r>
+              <a:rPr lang="en-US" dirty="0" err="1"/>
+              <a:t>println</a:t>
+            </a:r>
+            <a:r>
+              <a:rPr lang="en-US" dirty="0"/>
+              <a:t>, and escape sequences.</a:t>
+            </a:r>
+          </a:p>
+          <a:p>
+            <a:endParaRPr lang="en-US" dirty="0">
               <a:solidFill>
                 <a:srgbClr val="17B1AA"/>
               </a:solidFill>
             </a:endParaRPr>
           </a:p>
           <a:p>
-            <a:pPr lvl="1"/>
-            <a:r>
-              <a:rPr lang="en-US" b="1" dirty="0"/>
-              <a:t>Correctly assemble</a:t>
-            </a:r>
-            <a:r>
-              <a:rPr lang="en-US" dirty="0"/>
-              <a:t> a complete program with a class header, body, and main method.</a:t>
-            </a:r>
-          </a:p>
-          <a:p>
-            <a:pPr lvl="1"/>
-            <a:r>
-              <a:rPr lang="en-US" b="1" dirty="0"/>
-              <a:t>Correctly use</a:t>
-            </a:r>
-            <a:r>
-              <a:rPr lang="en-US" dirty="0"/>
-              <a:t> print, </a:t>
-            </a:r>
-            <a:r>
-              <a:rPr lang="en-US" dirty="0" err="1"/>
-              <a:t>println</a:t>
-            </a:r>
-            <a:r>
-              <a:rPr lang="en-US" dirty="0"/>
-              <a:t>, and escape sequences.</a:t>
-            </a:r>
-          </a:p>
-          <a:p>
-            <a:endParaRPr lang="en-US" dirty="0" smtClean="0">
-              <a:solidFill>
-                <a:srgbClr val="17B1AA"/>
-              </a:solidFill>
-            </a:endParaRPr>
-          </a:p>
-          <a:p>
-            <a:r>
-              <a:rPr lang="en-US" dirty="0" smtClean="0">
+            <a:r>
+              <a:rPr lang="en-US" dirty="0">
                 <a:solidFill>
                   <a:srgbClr val="17B1AA"/>
                 </a:solidFill>
@@ -6746,17 +6500,6 @@
             <a:r>
               <a:rPr lang="en-US" dirty="0"/>
               <a:t> starter Pokémon program</a:t>
-            </a:r>
-          </a:p>
-          <a:p>
-            <a:pPr lvl="1"/>
-            <a:r>
-              <a:rPr lang="en-US" b="1" dirty="0"/>
-              <a:t>Complete</a:t>
-            </a:r>
-            <a:r>
-              <a:rPr lang="en-US" dirty="0"/>
-              <a:t> several Practice-It questions</a:t>
             </a:r>
           </a:p>
           <a:p>
@@ -6774,11 +6517,6 @@
               </a:rPr>
               <a:t>Homework </a:t>
             </a:r>
-            <a:endParaRPr lang="en-US" dirty="0" smtClean="0">
-              <a:solidFill>
-                <a:srgbClr val="17B1AA"/>
-              </a:solidFill>
-            </a:endParaRPr>
           </a:p>
           <a:p>
             <a:pPr lvl="1"/>
@@ -6823,10 +6561,9 @@
           <a:lstStyle/>
           <a:p>
             <a:r>
-              <a:rPr lang="en-US" smtClean="0"/>
+              <a:rPr lang="en-US"/>
               <a:t>Developed by TEALS in 2015  www.tealsk12.org</a:t>
             </a:r>
-            <a:endParaRPr lang="en-US"/>
           </a:p>
         </p:txBody>
       </p:sp>
@@ -6878,22 +6615,17 @@
           <a:lstStyle/>
           <a:p>
             <a:r>
-              <a:rPr lang="en-US" b="1" dirty="0" smtClean="0"/>
+              <a:rPr lang="en-US" b="1" dirty="0"/>
               <a:t>Lesson 1.4 </a:t>
             </a:r>
             <a:r>
-              <a:rPr lang="en-US" dirty="0" smtClean="0">
+              <a:rPr lang="en-US" dirty="0">
                 <a:solidFill>
                   <a:srgbClr val="17B1AA"/>
                 </a:solidFill>
               </a:rPr>
               <a:t>Common Errors and Comments</a:t>
             </a:r>
-            <a:endParaRPr lang="en-US" dirty="0">
-              <a:solidFill>
-                <a:srgbClr val="17B1AA"/>
-              </a:solidFill>
-            </a:endParaRPr>
           </a:p>
         </p:txBody>
       </p:sp>
@@ -6922,11 +6654,6 @@
               </a:rPr>
               <a:t>Objectives </a:t>
             </a:r>
-            <a:endParaRPr lang="en-US" dirty="0" smtClean="0">
-              <a:solidFill>
-                <a:srgbClr val="17B1AA"/>
-              </a:solidFill>
-            </a:endParaRPr>
           </a:p>
           <a:p>
             <a:pPr lvl="1"/>
@@ -6965,11 +6692,6 @@
               </a:rPr>
               <a:t>Assessments </a:t>
             </a:r>
-            <a:endParaRPr lang="en-US" dirty="0" smtClean="0">
-              <a:solidFill>
-                <a:srgbClr val="17B1AA"/>
-              </a:solidFill>
-            </a:endParaRPr>
           </a:p>
           <a:p>
             <a:pPr lvl="1"/>
@@ -7008,11 +6730,6 @@
               </a:rPr>
               <a:t>Homework </a:t>
             </a:r>
-            <a:endParaRPr lang="en-US" dirty="0" smtClean="0">
-              <a:solidFill>
-                <a:srgbClr val="17B1AA"/>
-              </a:solidFill>
-            </a:endParaRPr>
           </a:p>
           <a:p>
             <a:pPr lvl="1"/>
@@ -7057,10 +6774,9 @@
           <a:lstStyle/>
           <a:p>
             <a:r>
-              <a:rPr lang="en-US" smtClean="0"/>
+              <a:rPr lang="en-US"/>
               <a:t>Developed by TEALS in 2015  www.tealsk12.org</a:t>
             </a:r>
-            <a:endParaRPr lang="en-US"/>
           </a:p>
         </p:txBody>
       </p:sp>
@@ -7139,10 +6855,9 @@
           <a:lstStyle/>
           <a:p>
             <a:r>
-              <a:rPr lang="en-US" dirty="0" smtClean="0"/>
+              <a:rPr lang="en-US" dirty="0"/>
               <a:t>Developed by TEALS in 2015  www.tealsk12.org</a:t>
             </a:r>
-            <a:endParaRPr lang="en-US" dirty="0"/>
           </a:p>
         </p:txBody>
       </p:sp>
@@ -7221,10 +6936,9 @@
           <a:lstStyle/>
           <a:p>
             <a:r>
-              <a:rPr lang="en-US" dirty="0" smtClean="0"/>
+              <a:rPr lang="en-US" dirty="0"/>
               <a:t>Developed by TEALS in 2015  www.tealsk12.org</a:t>
             </a:r>
-            <a:endParaRPr lang="en-US" dirty="0"/>
           </a:p>
         </p:txBody>
       </p:sp>
@@ -7298,10 +7012,9 @@
           <a:lstStyle/>
           <a:p>
             <a:r>
-              <a:rPr lang="en-US" smtClean="0"/>
+              <a:rPr lang="en-US"/>
               <a:t>Developed by TEALS in 2015  www.tealsk12.org</a:t>
             </a:r>
-            <a:endParaRPr lang="en-US"/>
           </a:p>
         </p:txBody>
       </p:sp>
@@ -7375,10 +7088,9 @@
           <a:lstStyle/>
           <a:p>
             <a:r>
-              <a:rPr lang="en-US" smtClean="0"/>
+              <a:rPr lang="en-US"/>
               <a:t>Developed by TEALS in 2015  www.tealsk12.org</a:t>
             </a:r>
-            <a:endParaRPr lang="en-US"/>
           </a:p>
         </p:txBody>
       </p:sp>
@@ -8356,21 +8068,6 @@
 </file>
 
 <file path=customXml/item1.xml><?xml version="1.0" encoding="utf-8"?>
-<p:properties xmlns:p="http://schemas.microsoft.com/office/2006/metadata/properties" xmlns:xsi="http://www.w3.org/2001/XMLSchema-instance" xmlns:pc="http://schemas.microsoft.com/office/infopath/2007/PartnerControls">
-  <documentManagement/>
-</p:properties>
-</file>
-
-<file path=customXml/item2.xml><?xml version="1.0" encoding="utf-8"?>
-<?mso-contentType ?>
-<FormTemplates xmlns="http://schemas.microsoft.com/sharepoint/v3/contenttype/forms">
-  <Display>DocumentLibraryForm</Display>
-  <Edit>DocumentLibraryForm</Edit>
-  <New>DocumentLibraryForm</New>
-</FormTemplates>
-</file>
-
-<file path=customXml/item3.xml><?xml version="1.0" encoding="utf-8"?>
 <ct:contentTypeSchema xmlns:ct="http://schemas.microsoft.com/office/2006/metadata/contentType" xmlns:ma="http://schemas.microsoft.com/office/2006/metadata/properties/metaAttributes" ct:_="" ma:_="" ma:contentTypeName="Document" ma:contentTypeID="0x01010011E83E049C87AC4AB56F27089B4ACA55" ma:contentTypeVersion="12" ma:contentTypeDescription="Create a new document." ma:contentTypeScope="" ma:versionID="1178fe99ddca204d3fc8224f4ed0acf8">
   <xsd:schema xmlns:xsd="http://www.w3.org/2001/XMLSchema" xmlns:xs="http://www.w3.org/2001/XMLSchema" xmlns:p="http://schemas.microsoft.com/office/2006/metadata/properties" xmlns:ns2="be898649-fe57-4b08-9fd4-31fc752880e3" xmlns:ns3="6f430b7c-f2e9-4385-9cb2-4dd06cc2317e" targetNamespace="http://schemas.microsoft.com/office/2006/metadata/properties" ma:root="true" ma:fieldsID="05a700af6660b82c6e85ae510b7169e9" ns2:_="" ns3:_="">
     <xsd:import namespace="be898649-fe57-4b08-9fd4-31fc752880e3"/>
@@ -8587,14 +8284,53 @@
 </ct:contentTypeSchema>
 </file>
 
+<file path=customXml/item2.xml><?xml version="1.0" encoding="utf-8"?>
+<?mso-contentType ?>
+<FormTemplates xmlns="http://schemas.microsoft.com/sharepoint/v3/contenttype/forms">
+  <Display>DocumentLibraryForm</Display>
+  <Edit>DocumentLibraryForm</Edit>
+  <New>DocumentLibraryForm</New>
+</FormTemplates>
+</file>
+
+<file path=customXml/item3.xml><?xml version="1.0" encoding="utf-8"?>
+<p:properties xmlns:p="http://schemas.microsoft.com/office/2006/metadata/properties" xmlns:xsi="http://www.w3.org/2001/XMLSchema-instance" xmlns:pc="http://schemas.microsoft.com/office/infopath/2007/PartnerControls">
+  <documentManagement/>
+</p:properties>
+</file>
+
 <file path=customXml/itemProps1.xml><?xml version="1.0" encoding="utf-8"?>
-<ds:datastoreItem xmlns:ds="http://schemas.openxmlformats.org/officeDocument/2006/customXml" ds:itemID="{C347DE79-E161-428A-8D51-E77650D30671}"/>
+<ds:datastoreItem xmlns:ds="http://schemas.openxmlformats.org/officeDocument/2006/customXml" ds:itemID="{D18627E4-5F75-4458-ABFF-09B94C42E664}">
+  <ds:schemaRefs>
+    <ds:schemaRef ds:uri="http://schemas.microsoft.com/office/2006/metadata/contentType"/>
+    <ds:schemaRef ds:uri="http://schemas.microsoft.com/office/2006/metadata/properties/metaAttributes"/>
+    <ds:schemaRef ds:uri="http://www.w3.org/2001/XMLSchema"/>
+    <ds:schemaRef ds:uri="http://schemas.microsoft.com/office/2006/metadata/properties"/>
+    <ds:schemaRef ds:uri="be898649-fe57-4b08-9fd4-31fc752880e3"/>
+    <ds:schemaRef ds:uri="6f430b7c-f2e9-4385-9cb2-4dd06cc2317e"/>
+    <ds:schemaRef ds:uri="http://schemas.microsoft.com/office/2006/documentManagement/types"/>
+    <ds:schemaRef ds:uri="http://schemas.microsoft.com/office/infopath/2007/PartnerControls"/>
+    <ds:schemaRef ds:uri="http://schemas.openxmlformats.org/package/2006/metadata/core-properties"/>
+    <ds:schemaRef ds:uri="http://purl.org/dc/elements/1.1/"/>
+    <ds:schemaRef ds:uri="http://purl.org/dc/terms/"/>
+    <ds:schemaRef ds:uri="http://schemas.microsoft.com/internal/obd"/>
+  </ds:schemaRefs>
+</ds:datastoreItem>
 </file>
 
 <file path=customXml/itemProps2.xml><?xml version="1.0" encoding="utf-8"?>
-<ds:datastoreItem xmlns:ds="http://schemas.openxmlformats.org/officeDocument/2006/customXml" ds:itemID="{0C7094F5-67C0-446E-8F29-DCCCD07F7B28}"/>
+<ds:datastoreItem xmlns:ds="http://schemas.openxmlformats.org/officeDocument/2006/customXml" ds:itemID="{0C7094F5-67C0-446E-8F29-DCCCD07F7B28}">
+  <ds:schemaRefs>
+    <ds:schemaRef ds:uri="http://schemas.microsoft.com/sharepoint/v3/contenttype/forms"/>
+  </ds:schemaRefs>
+</ds:datastoreItem>
 </file>
 
 <file path=customXml/itemProps3.xml><?xml version="1.0" encoding="utf-8"?>
-<ds:datastoreItem xmlns:ds="http://schemas.openxmlformats.org/officeDocument/2006/customXml" ds:itemID="{D18627E4-5F75-4458-ABFF-09B94C42E664}"/>
+<ds:datastoreItem xmlns:ds="http://schemas.openxmlformats.org/officeDocument/2006/customXml" ds:itemID="{C347DE79-E161-428A-8D51-E77650D30671}">
+  <ds:schemaRefs>
+    <ds:schemaRef ds:uri="http://schemas.microsoft.com/office/2006/metadata/properties"/>
+    <ds:schemaRef ds:uri="http://schemas.microsoft.com/office/infopath/2007/PartnerControls"/>
+  </ds:schemaRefs>
+</ds:datastoreItem>
 </file>